--- a/sessions/session-10/slides.pptx
+++ b/sessions/session-10/slides.pptx
@@ -5776,7 +5776,7 @@
     <p:bg>
       <p:bgPr>
         <a:solidFill>
-          <a:srgbClr val="FFFFFF"/>
+          <a:srgbClr val="F4F1DE"/>
         </a:solidFill>
       </p:bgPr>
     </p:bg>
@@ -5803,7 +5803,7 @@
         <p:spPr>
           <a:xfrm>
             <a:off x="0" y="0"/>
-            <a:ext cx="9144000" cy="863501"/>
+            <a:ext cx="9144000" cy="914102"/>
           </a:xfrm>
           <a:prstGeom prst="rect">
             <a:avLst/>
@@ -5832,7 +5832,7 @@
         </p:nvSpPr>
         <p:spPr>
           <a:xfrm>
-            <a:off x="355550" y="246013"/>
+            <a:off x="457200" y="271314"/>
             <a:ext cx="4097664" cy="371475"/>
           </a:xfrm>
           <a:prstGeom prst="rect">
@@ -5871,8 +5871,8 @@
         </p:nvSpPr>
         <p:spPr>
           <a:xfrm>
-            <a:off x="355550" y="1130052"/>
-            <a:ext cx="8601557" cy="325636"/>
+            <a:off x="457200" y="1041053"/>
+            <a:ext cx="8394192" cy="266700"/>
           </a:xfrm>
           <a:prstGeom prst="rect">
             <a:avLst/>
@@ -5885,19 +5885,13 @@
           <a:lstStyle/>
           <a:p>
             <a:pPr algn="l" indent="0" marL="0">
-              <a:lnSpc>
-                <a:spcPts val="2565"/>
-              </a:lnSpc>
-              <a:spcBef>
-                <a:spcPts val="500"/>
-              </a:spcBef>
-              <a:spcAft>
-                <a:spcPts val="500"/>
-              </a:spcAft>
-              <a:buNone/>
-            </a:pPr>
-            <a:r>
-              <a:rPr lang="en-US" sz="1900" b="1" dirty="0">
+              <a:spcAft>
+                <a:spcPts val="600"/>
+              </a:spcAft>
+              <a:buNone/>
+            </a:pPr>
+            <a:r>
+              <a:rPr lang="en-US" sz="1800" b="1" dirty="0">
                 <a:solidFill>
                   <a:srgbClr val="2C2C2C"/>
                 </a:solidFill>
@@ -5907,7 +5901,797 @@
               </a:rPr>
               <a:t>The same task, two approaches:</a:t>
             </a:r>
-            <a:endParaRPr lang="en-US" sz="1900" dirty="0"/>
+            <a:endParaRPr lang="en-US" sz="1800" dirty="0"/>
+          </a:p>
+        </p:txBody>
+      </p:sp>
+      <p:sp>
+        <p:nvSpPr>
+          <p:cNvPr id="5" name="Text 3"/>
+          <p:cNvSpPr/>
+          <p:nvPr/>
+        </p:nvSpPr>
+        <p:spPr>
+          <a:xfrm>
+            <a:off x="457200" y="1383953"/>
+            <a:ext cx="8229600" cy="336352"/>
+          </a:xfrm>
+          <a:prstGeom prst="roundRect">
+            <a:avLst>
+              <a:gd name="adj" fmla="val 15103"/>
+            </a:avLst>
+          </a:prstGeom>
+          <a:solidFill>
+            <a:srgbClr val="1E5128"/>
+          </a:solidFill>
+          <a:ln/>
+        </p:spPr>
+        <p:txBody>
+          <a:bodyPr wrap="square" rtlCol="0" anchor="ctr"/>
+          <a:lstStyle/>
+          <a:p>
+            <a:pPr indent="0" marL="0">
+              <a:buNone/>
+            </a:pPr>
+            <a:endParaRPr lang="en-US" dirty="0"/>
+          </a:p>
+        </p:txBody>
+      </p:sp>
+      <p:sp>
+        <p:nvSpPr>
+          <p:cNvPr id="6" name="Text 4"/>
+          <p:cNvSpPr/>
+          <p:nvPr/>
+        </p:nvSpPr>
+        <p:spPr>
+          <a:xfrm>
+            <a:off x="1904851" y="1383953"/>
+            <a:ext cx="3419704" cy="336352"/>
+          </a:xfrm>
+          <a:prstGeom prst="rect">
+            <a:avLst/>
+          </a:prstGeom>
+          <a:noFill/>
+          <a:ln/>
+        </p:spPr>
+        <p:txBody>
+          <a:bodyPr wrap="square" lIns="88900" tIns="63500" rIns="88900" bIns="63500" rtlCol="0" anchor="t"/>
+          <a:lstStyle/>
+          <a:p>
+            <a:pPr algn="l" indent="0" marL="0">
+              <a:buNone/>
+            </a:pPr>
+            <a:r>
+              <a:rPr lang="en-US" sz="1400" b="1" dirty="0">
+                <a:solidFill>
+                  <a:srgbClr val="FFFFFF"/>
+                </a:solidFill>
+                <a:latin typeface="Arial" pitchFamily="34" charset="0"/>
+                <a:ea typeface="Arial" pitchFamily="34" charset="-122"/>
+                <a:cs typeface="Arial" pitchFamily="34" charset="-120"/>
+              </a:rPr>
+              <a:t>Manual (No Copilot)</a:t>
+            </a:r>
+            <a:endParaRPr lang="en-US" sz="1400" dirty="0"/>
+          </a:p>
+        </p:txBody>
+      </p:sp>
+      <p:sp>
+        <p:nvSpPr>
+          <p:cNvPr id="7" name="Text 5"/>
+          <p:cNvSpPr/>
+          <p:nvPr/>
+        </p:nvSpPr>
+        <p:spPr>
+          <a:xfrm>
+            <a:off x="5257502" y="1383953"/>
+            <a:ext cx="3419704" cy="336352"/>
+          </a:xfrm>
+          <a:prstGeom prst="rect">
+            <a:avLst/>
+          </a:prstGeom>
+          <a:noFill/>
+          <a:ln/>
+        </p:spPr>
+        <p:txBody>
+          <a:bodyPr wrap="square" lIns="88900" tIns="63500" rIns="88900" bIns="63500" rtlCol="0" anchor="t"/>
+          <a:lstStyle/>
+          <a:p>
+            <a:pPr algn="l" indent="0" marL="0">
+              <a:buNone/>
+            </a:pPr>
+            <a:r>
+              <a:rPr lang="en-US" sz="1400" b="1" dirty="0">
+                <a:solidFill>
+                  <a:srgbClr val="FFFFFF"/>
+                </a:solidFill>
+                <a:latin typeface="Arial" pitchFamily="34" charset="0"/>
+                <a:ea typeface="Arial" pitchFamily="34" charset="-122"/>
+                <a:cs typeface="Arial" pitchFamily="34" charset="-120"/>
+              </a:rPr>
+              <a:t>With Copilot</a:t>
+            </a:r>
+            <a:endParaRPr lang="en-US" sz="1400" dirty="0"/>
+          </a:p>
+        </p:txBody>
+      </p:sp>
+      <p:sp>
+        <p:nvSpPr>
+          <p:cNvPr id="8" name="Text 6"/>
+          <p:cNvSpPr/>
+          <p:nvPr/>
+        </p:nvSpPr>
+        <p:spPr>
+          <a:xfrm>
+            <a:off x="457200" y="1720304"/>
+            <a:ext cx="8229600" cy="311051"/>
+          </a:xfrm>
+          <a:prstGeom prst="rect">
+            <a:avLst/>
+          </a:prstGeom>
+          <a:solidFill>
+            <a:srgbClr val="F4F1DE"/>
+          </a:solidFill>
+          <a:ln/>
+        </p:spPr>
+        <p:txBody>
+          <a:bodyPr wrap="square" rtlCol="0" anchor="ctr"/>
+          <a:lstStyle/>
+          <a:p>
+            <a:pPr indent="0" marL="0">
+              <a:buNone/>
+            </a:pPr>
+            <a:endParaRPr lang="en-US" dirty="0"/>
+          </a:p>
+        </p:txBody>
+      </p:sp>
+      <p:sp>
+        <p:nvSpPr>
+          <p:cNvPr id="9" name="Shape 7"/>
+          <p:cNvSpPr/>
+          <p:nvPr/>
+        </p:nvSpPr>
+        <p:spPr>
+          <a:xfrm>
+            <a:off x="457200" y="2026593"/>
+            <a:ext cx="8229600" cy="0"/>
+          </a:xfrm>
+          <a:prstGeom prst="line">
+            <a:avLst/>
+          </a:prstGeom>
+          <a:noFill/>
+          <a:ln w="9525">
+            <a:solidFill>
+              <a:srgbClr val="CCCCCC"/>
+            </a:solidFill>
+            <a:prstDash val="solid"/>
+          </a:ln>
+        </p:spPr>
+      </p:sp>
+      <p:sp>
+        <p:nvSpPr>
+          <p:cNvPr id="10" name="Text 8"/>
+          <p:cNvSpPr/>
+          <p:nvPr/>
+        </p:nvSpPr>
+        <p:spPr>
+          <a:xfrm>
+            <a:off x="457200" y="1720304"/>
+            <a:ext cx="1476604" cy="301526"/>
+          </a:xfrm>
+          <a:prstGeom prst="rect">
+            <a:avLst/>
+          </a:prstGeom>
+          <a:noFill/>
+          <a:ln/>
+        </p:spPr>
+        <p:txBody>
+          <a:bodyPr wrap="square" lIns="88900" tIns="50800" rIns="88900" bIns="50800" rtlCol="0" anchor="t"/>
+          <a:lstStyle/>
+          <a:p>
+            <a:pPr algn="l" indent="0" marL="0">
+              <a:buNone/>
+            </a:pPr>
+            <a:r>
+              <a:rPr lang="en-US" sz="1300" b="1" dirty="0">
+                <a:solidFill>
+                  <a:srgbClr val="2C2C2C"/>
+                </a:solidFill>
+                <a:latin typeface="Arial" pitchFamily="34" charset="0"/>
+                <a:ea typeface="Arial" pitchFamily="34" charset="-122"/>
+                <a:cs typeface="Arial" pitchFamily="34" charset="-120"/>
+              </a:rPr>
+              <a:t>Time</a:t>
+            </a:r>
+            <a:endParaRPr lang="en-US" sz="1300" dirty="0"/>
+          </a:p>
+        </p:txBody>
+      </p:sp>
+      <p:sp>
+        <p:nvSpPr>
+          <p:cNvPr id="11" name="Text 9"/>
+          <p:cNvSpPr/>
+          <p:nvPr/>
+        </p:nvSpPr>
+        <p:spPr>
+          <a:xfrm>
+            <a:off x="1904851" y="1720304"/>
+            <a:ext cx="3419704" cy="301526"/>
+          </a:xfrm>
+          <a:prstGeom prst="rect">
+            <a:avLst/>
+          </a:prstGeom>
+          <a:noFill/>
+          <a:ln/>
+        </p:spPr>
+        <p:txBody>
+          <a:bodyPr wrap="square" lIns="88900" tIns="50800" rIns="88900" bIns="50800" rtlCol="0" anchor="t"/>
+          <a:lstStyle/>
+          <a:p>
+            <a:pPr algn="l" indent="0" marL="0">
+              <a:buNone/>
+            </a:pPr>
+            <a:r>
+              <a:rPr lang="en-US" sz="1300" dirty="0">
+                <a:solidFill>
+                  <a:srgbClr val="2C2C2C"/>
+                </a:solidFill>
+                <a:latin typeface="Arial" pitchFamily="34" charset="0"/>
+                <a:ea typeface="Arial" pitchFamily="34" charset="-122"/>
+                <a:cs typeface="Arial" pitchFamily="34" charset="-120"/>
+              </a:rPr>
+              <a:t>10–15 min typing</a:t>
+            </a:r>
+            <a:endParaRPr lang="en-US" sz="1300" dirty="0"/>
+          </a:p>
+        </p:txBody>
+      </p:sp>
+      <p:sp>
+        <p:nvSpPr>
+          <p:cNvPr id="12" name="Text 10"/>
+          <p:cNvSpPr/>
+          <p:nvPr/>
+        </p:nvSpPr>
+        <p:spPr>
+          <a:xfrm>
+            <a:off x="5257502" y="1720304"/>
+            <a:ext cx="3419704" cy="301526"/>
+          </a:xfrm>
+          <a:prstGeom prst="rect">
+            <a:avLst/>
+          </a:prstGeom>
+          <a:noFill/>
+          <a:ln/>
+        </p:spPr>
+        <p:txBody>
+          <a:bodyPr wrap="square" lIns="88900" tIns="50800" rIns="88900" bIns="50800" rtlCol="0" anchor="t"/>
+          <a:lstStyle/>
+          <a:p>
+            <a:pPr algn="l" indent="0" marL="0">
+              <a:buNone/>
+            </a:pPr>
+            <a:r>
+              <a:rPr lang="en-US" sz="1300" dirty="0">
+                <a:solidFill>
+                  <a:srgbClr val="2C2C2C"/>
+                </a:solidFill>
+                <a:latin typeface="Arial" pitchFamily="34" charset="0"/>
+                <a:ea typeface="Arial" pitchFamily="34" charset="-122"/>
+                <a:cs typeface="Arial" pitchFamily="34" charset="-120"/>
+              </a:rPr>
+              <a:t>2–3 min prompt + 5 min editing</a:t>
+            </a:r>
+            <a:endParaRPr lang="en-US" sz="1300" dirty="0"/>
+          </a:p>
+        </p:txBody>
+      </p:sp>
+      <p:sp>
+        <p:nvSpPr>
+          <p:cNvPr id="13" name="Text 11"/>
+          <p:cNvSpPr/>
+          <p:nvPr/>
+        </p:nvSpPr>
+        <p:spPr>
+          <a:xfrm>
+            <a:off x="457200" y="2031355"/>
+            <a:ext cx="8229600" cy="311051"/>
+          </a:xfrm>
+          <a:prstGeom prst="rect">
+            <a:avLst/>
+          </a:prstGeom>
+          <a:solidFill>
+            <a:srgbClr val="FFFFFF"/>
+          </a:solidFill>
+          <a:ln/>
+        </p:spPr>
+        <p:txBody>
+          <a:bodyPr wrap="square" rtlCol="0" anchor="ctr"/>
+          <a:lstStyle/>
+          <a:p>
+            <a:pPr indent="0" marL="0">
+              <a:buNone/>
+            </a:pPr>
+            <a:endParaRPr lang="en-US" dirty="0"/>
+          </a:p>
+        </p:txBody>
+      </p:sp>
+      <p:sp>
+        <p:nvSpPr>
+          <p:cNvPr id="14" name="Shape 12"/>
+          <p:cNvSpPr/>
+          <p:nvPr/>
+        </p:nvSpPr>
+        <p:spPr>
+          <a:xfrm>
+            <a:off x="457200" y="2337643"/>
+            <a:ext cx="8229600" cy="0"/>
+          </a:xfrm>
+          <a:prstGeom prst="line">
+            <a:avLst/>
+          </a:prstGeom>
+          <a:noFill/>
+          <a:ln w="9525">
+            <a:solidFill>
+              <a:srgbClr val="CCCCCC"/>
+            </a:solidFill>
+            <a:prstDash val="solid"/>
+          </a:ln>
+        </p:spPr>
+      </p:sp>
+      <p:sp>
+        <p:nvSpPr>
+          <p:cNvPr id="15" name="Text 13"/>
+          <p:cNvSpPr/>
+          <p:nvPr/>
+        </p:nvSpPr>
+        <p:spPr>
+          <a:xfrm>
+            <a:off x="457200" y="2031355"/>
+            <a:ext cx="1476604" cy="301526"/>
+          </a:xfrm>
+          <a:prstGeom prst="rect">
+            <a:avLst/>
+          </a:prstGeom>
+          <a:noFill/>
+          <a:ln/>
+        </p:spPr>
+        <p:txBody>
+          <a:bodyPr wrap="square" lIns="88900" tIns="50800" rIns="88900" bIns="50800" rtlCol="0" anchor="t"/>
+          <a:lstStyle/>
+          <a:p>
+            <a:pPr algn="l" indent="0" marL="0">
+              <a:buNone/>
+            </a:pPr>
+            <a:r>
+              <a:rPr lang="en-US" sz="1300" b="1" dirty="0">
+                <a:solidFill>
+                  <a:srgbClr val="2C2C2C"/>
+                </a:solidFill>
+                <a:latin typeface="Arial" pitchFamily="34" charset="0"/>
+                <a:ea typeface="Arial" pitchFamily="34" charset="-122"/>
+                <a:cs typeface="Arial" pitchFamily="34" charset="-120"/>
+              </a:rPr>
+              <a:t>Effort</a:t>
+            </a:r>
+            <a:endParaRPr lang="en-US" sz="1300" dirty="0"/>
+          </a:p>
+        </p:txBody>
+      </p:sp>
+      <p:sp>
+        <p:nvSpPr>
+          <p:cNvPr id="16" name="Text 14"/>
+          <p:cNvSpPr/>
+          <p:nvPr/>
+        </p:nvSpPr>
+        <p:spPr>
+          <a:xfrm>
+            <a:off x="1904851" y="2031355"/>
+            <a:ext cx="3419704" cy="301526"/>
+          </a:xfrm>
+          <a:prstGeom prst="rect">
+            <a:avLst/>
+          </a:prstGeom>
+          <a:noFill/>
+          <a:ln/>
+        </p:spPr>
+        <p:txBody>
+          <a:bodyPr wrap="square" lIns="88900" tIns="50800" rIns="88900" bIns="50800" rtlCol="0" anchor="t"/>
+          <a:lstStyle/>
+          <a:p>
+            <a:pPr algn="l" indent="0" marL="0">
+              <a:buNone/>
+            </a:pPr>
+            <a:r>
+              <a:rPr lang="en-US" sz="1300" dirty="0">
+                <a:solidFill>
+                  <a:srgbClr val="2C2C2C"/>
+                </a:solidFill>
+                <a:latin typeface="Arial" pitchFamily="34" charset="0"/>
+                <a:ea typeface="Arial" pitchFamily="34" charset="-122"/>
+                <a:cs typeface="Arial" pitchFamily="34" charset="-120"/>
+              </a:rPr>
+              <a:t>Think of every step yourself</a:t>
+            </a:r>
+            <a:endParaRPr lang="en-US" sz="1300" dirty="0"/>
+          </a:p>
+        </p:txBody>
+      </p:sp>
+      <p:sp>
+        <p:nvSpPr>
+          <p:cNvPr id="17" name="Text 15"/>
+          <p:cNvSpPr/>
+          <p:nvPr/>
+        </p:nvSpPr>
+        <p:spPr>
+          <a:xfrm>
+            <a:off x="5257502" y="2031355"/>
+            <a:ext cx="3419704" cy="301526"/>
+          </a:xfrm>
+          <a:prstGeom prst="rect">
+            <a:avLst/>
+          </a:prstGeom>
+          <a:noFill/>
+          <a:ln/>
+        </p:spPr>
+        <p:txBody>
+          <a:bodyPr wrap="square" lIns="88900" tIns="50800" rIns="88900" bIns="50800" rtlCol="0" anchor="t"/>
+          <a:lstStyle/>
+          <a:p>
+            <a:pPr algn="l" indent="0" marL="0">
+              <a:buNone/>
+            </a:pPr>
+            <a:r>
+              <a:rPr lang="en-US" sz="1300" dirty="0">
+                <a:solidFill>
+                  <a:srgbClr val="2C2C2C"/>
+                </a:solidFill>
+                <a:latin typeface="Arial" pitchFamily="34" charset="0"/>
+                <a:ea typeface="Arial" pitchFamily="34" charset="-122"/>
+                <a:cs typeface="Arial" pitchFamily="34" charset="-120"/>
+              </a:rPr>
+              <a:t>Copilot suggests, you review</a:t>
+            </a:r>
+            <a:endParaRPr lang="en-US" sz="1300" dirty="0"/>
+          </a:p>
+        </p:txBody>
+      </p:sp>
+      <p:sp>
+        <p:nvSpPr>
+          <p:cNvPr id="18" name="Text 16"/>
+          <p:cNvSpPr/>
+          <p:nvPr/>
+        </p:nvSpPr>
+        <p:spPr>
+          <a:xfrm>
+            <a:off x="457200" y="2342406"/>
+            <a:ext cx="8229600" cy="311051"/>
+          </a:xfrm>
+          <a:prstGeom prst="rect">
+            <a:avLst/>
+          </a:prstGeom>
+          <a:solidFill>
+            <a:srgbClr val="F4F1DE"/>
+          </a:solidFill>
+          <a:ln/>
+        </p:spPr>
+        <p:txBody>
+          <a:bodyPr wrap="square" rtlCol="0" anchor="ctr"/>
+          <a:lstStyle/>
+          <a:p>
+            <a:pPr indent="0" marL="0">
+              <a:buNone/>
+            </a:pPr>
+            <a:endParaRPr lang="en-US" dirty="0"/>
+          </a:p>
+        </p:txBody>
+      </p:sp>
+      <p:sp>
+        <p:nvSpPr>
+          <p:cNvPr id="19" name="Shape 17"/>
+          <p:cNvSpPr/>
+          <p:nvPr/>
+        </p:nvSpPr>
+        <p:spPr>
+          <a:xfrm>
+            <a:off x="457200" y="2648694"/>
+            <a:ext cx="8229600" cy="0"/>
+          </a:xfrm>
+          <a:prstGeom prst="line">
+            <a:avLst/>
+          </a:prstGeom>
+          <a:noFill/>
+          <a:ln w="9525">
+            <a:solidFill>
+              <a:srgbClr val="CCCCCC"/>
+            </a:solidFill>
+            <a:prstDash val="solid"/>
+          </a:ln>
+        </p:spPr>
+      </p:sp>
+      <p:sp>
+        <p:nvSpPr>
+          <p:cNvPr id="20" name="Text 18"/>
+          <p:cNvSpPr/>
+          <p:nvPr/>
+        </p:nvSpPr>
+        <p:spPr>
+          <a:xfrm>
+            <a:off x="457200" y="2342406"/>
+            <a:ext cx="1476604" cy="301526"/>
+          </a:xfrm>
+          <a:prstGeom prst="rect">
+            <a:avLst/>
+          </a:prstGeom>
+          <a:noFill/>
+          <a:ln/>
+        </p:spPr>
+        <p:txBody>
+          <a:bodyPr wrap="square" lIns="88900" tIns="50800" rIns="88900" bIns="50800" rtlCol="0" anchor="t"/>
+          <a:lstStyle/>
+          <a:p>
+            <a:pPr algn="l" indent="0" marL="0">
+              <a:buNone/>
+            </a:pPr>
+            <a:r>
+              <a:rPr lang="en-US" sz="1300" b="1" dirty="0">
+                <a:solidFill>
+                  <a:srgbClr val="2C2C2C"/>
+                </a:solidFill>
+                <a:latin typeface="Arial" pitchFamily="34" charset="0"/>
+                <a:ea typeface="Arial" pitchFamily="34" charset="-122"/>
+                <a:cs typeface="Arial" pitchFamily="34" charset="-120"/>
+              </a:rPr>
+              <a:t>Quality</a:t>
+            </a:r>
+            <a:endParaRPr lang="en-US" sz="1300" dirty="0"/>
+          </a:p>
+        </p:txBody>
+      </p:sp>
+      <p:sp>
+        <p:nvSpPr>
+          <p:cNvPr id="21" name="Text 19"/>
+          <p:cNvSpPr/>
+          <p:nvPr/>
+        </p:nvSpPr>
+        <p:spPr>
+          <a:xfrm>
+            <a:off x="1904851" y="2342406"/>
+            <a:ext cx="3419704" cy="301526"/>
+          </a:xfrm>
+          <a:prstGeom prst="rect">
+            <a:avLst/>
+          </a:prstGeom>
+          <a:noFill/>
+          <a:ln/>
+        </p:spPr>
+        <p:txBody>
+          <a:bodyPr wrap="square" lIns="88900" tIns="50800" rIns="88900" bIns="50800" rtlCol="0" anchor="t"/>
+          <a:lstStyle/>
+          <a:p>
+            <a:pPr algn="l" indent="0" marL="0">
+              <a:buNone/>
+            </a:pPr>
+            <a:r>
+              <a:rPr lang="en-US" sz="1300" dirty="0">
+                <a:solidFill>
+                  <a:srgbClr val="2C2C2C"/>
+                </a:solidFill>
+                <a:latin typeface="Arial" pitchFamily="34" charset="0"/>
+                <a:ea typeface="Arial" pitchFamily="34" charset="-122"/>
+                <a:cs typeface="Arial" pitchFamily="34" charset="-120"/>
+              </a:rPr>
+              <a:t>Exactly what you want</a:t>
+            </a:r>
+            <a:endParaRPr lang="en-US" sz="1300" dirty="0"/>
+          </a:p>
+        </p:txBody>
+      </p:sp>
+      <p:sp>
+        <p:nvSpPr>
+          <p:cNvPr id="22" name="Text 20"/>
+          <p:cNvSpPr/>
+          <p:nvPr/>
+        </p:nvSpPr>
+        <p:spPr>
+          <a:xfrm>
+            <a:off x="5257502" y="2342406"/>
+            <a:ext cx="3419704" cy="301526"/>
+          </a:xfrm>
+          <a:prstGeom prst="rect">
+            <a:avLst/>
+          </a:prstGeom>
+          <a:noFill/>
+          <a:ln/>
+        </p:spPr>
+        <p:txBody>
+          <a:bodyPr wrap="square" lIns="88900" tIns="50800" rIns="88900" bIns="50800" rtlCol="0" anchor="t"/>
+          <a:lstStyle/>
+          <a:p>
+            <a:pPr algn="l" indent="0" marL="0">
+              <a:buNone/>
+            </a:pPr>
+            <a:r>
+              <a:rPr lang="en-US" sz="1300" dirty="0">
+                <a:solidFill>
+                  <a:srgbClr val="2C2C2C"/>
+                </a:solidFill>
+                <a:latin typeface="Arial" pitchFamily="34" charset="0"/>
+                <a:ea typeface="Arial" pitchFamily="34" charset="-122"/>
+                <a:cs typeface="Arial" pitchFamily="34" charset="-120"/>
+              </a:rPr>
+              <a:t>Good draft that needs your edits</a:t>
+            </a:r>
+            <a:endParaRPr lang="en-US" sz="1300" dirty="0"/>
+          </a:p>
+        </p:txBody>
+      </p:sp>
+      <p:sp>
+        <p:nvSpPr>
+          <p:cNvPr id="23" name="Text 21"/>
+          <p:cNvSpPr/>
+          <p:nvPr/>
+        </p:nvSpPr>
+        <p:spPr>
+          <a:xfrm>
+            <a:off x="457200" y="2653457"/>
+            <a:ext cx="8229600" cy="311051"/>
+          </a:xfrm>
+          <a:prstGeom prst="rect">
+            <a:avLst/>
+          </a:prstGeom>
+          <a:solidFill>
+            <a:srgbClr val="FFFFFF"/>
+          </a:solidFill>
+          <a:ln/>
+        </p:spPr>
+        <p:txBody>
+          <a:bodyPr wrap="square" rtlCol="0" anchor="ctr"/>
+          <a:lstStyle/>
+          <a:p>
+            <a:pPr indent="0" marL="0">
+              <a:buNone/>
+            </a:pPr>
+            <a:endParaRPr lang="en-US" dirty="0"/>
+          </a:p>
+        </p:txBody>
+      </p:sp>
+      <p:sp>
+        <p:nvSpPr>
+          <p:cNvPr id="24" name="Shape 22"/>
+          <p:cNvSpPr/>
+          <p:nvPr/>
+        </p:nvSpPr>
+        <p:spPr>
+          <a:xfrm>
+            <a:off x="457200" y="2959745"/>
+            <a:ext cx="8229600" cy="0"/>
+          </a:xfrm>
+          <a:prstGeom prst="line">
+            <a:avLst/>
+          </a:prstGeom>
+          <a:noFill/>
+          <a:ln w="9525">
+            <a:solidFill>
+              <a:srgbClr val="CCCCCC"/>
+            </a:solidFill>
+            <a:prstDash val="solid"/>
+          </a:ln>
+        </p:spPr>
+      </p:sp>
+      <p:sp>
+        <p:nvSpPr>
+          <p:cNvPr id="25" name="Text 23"/>
+          <p:cNvSpPr/>
+          <p:nvPr/>
+        </p:nvSpPr>
+        <p:spPr>
+          <a:xfrm>
+            <a:off x="457200" y="2653457"/>
+            <a:ext cx="1476604" cy="301526"/>
+          </a:xfrm>
+          <a:prstGeom prst="rect">
+            <a:avLst/>
+          </a:prstGeom>
+          <a:noFill/>
+          <a:ln/>
+        </p:spPr>
+        <p:txBody>
+          <a:bodyPr wrap="square" lIns="88900" tIns="50800" rIns="88900" bIns="50800" rtlCol="0" anchor="t"/>
+          <a:lstStyle/>
+          <a:p>
+            <a:pPr algn="l" indent="0" marL="0">
+              <a:buNone/>
+            </a:pPr>
+            <a:r>
+              <a:rPr lang="en-US" sz="1300" b="1" dirty="0">
+                <a:solidFill>
+                  <a:srgbClr val="2C2C2C"/>
+                </a:solidFill>
+                <a:latin typeface="Arial" pitchFamily="34" charset="0"/>
+                <a:ea typeface="Arial" pitchFamily="34" charset="-122"/>
+                <a:cs typeface="Arial" pitchFamily="34" charset="-120"/>
+              </a:rPr>
+              <a:t>Best for</a:t>
+            </a:r>
+            <a:endParaRPr lang="en-US" sz="1300" dirty="0"/>
+          </a:p>
+        </p:txBody>
+      </p:sp>
+      <p:sp>
+        <p:nvSpPr>
+          <p:cNvPr id="26" name="Text 24"/>
+          <p:cNvSpPr/>
+          <p:nvPr/>
+        </p:nvSpPr>
+        <p:spPr>
+          <a:xfrm>
+            <a:off x="1904851" y="2653457"/>
+            <a:ext cx="3419704" cy="301526"/>
+          </a:xfrm>
+          <a:prstGeom prst="rect">
+            <a:avLst/>
+          </a:prstGeom>
+          <a:noFill/>
+          <a:ln/>
+        </p:spPr>
+        <p:txBody>
+          <a:bodyPr wrap="square" lIns="88900" tIns="50800" rIns="88900" bIns="50800" rtlCol="0" anchor="t"/>
+          <a:lstStyle/>
+          <a:p>
+            <a:pPr algn="l" indent="0" marL="0">
+              <a:buNone/>
+            </a:pPr>
+            <a:r>
+              <a:rPr lang="en-US" sz="1300" dirty="0">
+                <a:solidFill>
+                  <a:srgbClr val="2C2C2C"/>
+                </a:solidFill>
+                <a:latin typeface="Arial" pitchFamily="34" charset="0"/>
+                <a:ea typeface="Arial" pitchFamily="34" charset="-122"/>
+                <a:cs typeface="Arial" pitchFamily="34" charset="-120"/>
+              </a:rPr>
+              <a:t>Short, unique tasks</a:t>
+            </a:r>
+            <a:endParaRPr lang="en-US" sz="1300" dirty="0"/>
+          </a:p>
+        </p:txBody>
+      </p:sp>
+      <p:sp>
+        <p:nvSpPr>
+          <p:cNvPr id="27" name="Text 25"/>
+          <p:cNvSpPr/>
+          <p:nvPr/>
+        </p:nvSpPr>
+        <p:spPr>
+          <a:xfrm>
+            <a:off x="5257502" y="2653457"/>
+            <a:ext cx="3419704" cy="301526"/>
+          </a:xfrm>
+          <a:prstGeom prst="rect">
+            <a:avLst/>
+          </a:prstGeom>
+          <a:noFill/>
+          <a:ln/>
+        </p:spPr>
+        <p:txBody>
+          <a:bodyPr wrap="square" lIns="88900" tIns="50800" rIns="88900" bIns="50800" rtlCol="0" anchor="t"/>
+          <a:lstStyle/>
+          <a:p>
+            <a:pPr algn="l" indent="0" marL="0">
+              <a:buNone/>
+            </a:pPr>
+            <a:r>
+              <a:rPr lang="en-US" sz="1300" dirty="0">
+                <a:solidFill>
+                  <a:srgbClr val="2C2C2C"/>
+                </a:solidFill>
+                <a:latin typeface="Arial" pitchFamily="34" charset="0"/>
+                <a:ea typeface="Arial" pitchFamily="34" charset="-122"/>
+                <a:cs typeface="Arial" pitchFamily="34" charset="-120"/>
+              </a:rPr>
+              <a:t>Long, structured checklists</a:t>
+            </a:r>
+            <a:endParaRPr lang="en-US" sz="1300" dirty="0"/>
           </a:p>
         </p:txBody>
       </p:sp>
@@ -7967,7 +8751,7 @@
     <p:bg>
       <p:bgPr>
         <a:solidFill>
-          <a:srgbClr val="FFFFFF"/>
+          <a:srgbClr val="F4F1DE"/>
         </a:solidFill>
       </p:bgPr>
     </p:bg>
@@ -7994,7 +8778,7 @@
         <p:spPr>
           <a:xfrm>
             <a:off x="0" y="0"/>
-            <a:ext cx="9144000" cy="863501"/>
+            <a:ext cx="9144000" cy="914102"/>
           </a:xfrm>
           <a:prstGeom prst="rect">
             <a:avLst/>
@@ -8023,7 +8807,7 @@
         </p:nvSpPr>
         <p:spPr>
           <a:xfrm>
-            <a:off x="355550" y="246013"/>
+            <a:off x="457200" y="271314"/>
             <a:ext cx="3755800" cy="371475"/>
           </a:xfrm>
           <a:prstGeom prst="rect">
@@ -8051,6 +8835,813 @@
               <a:t>Key Vocabulary Review</a:t>
             </a:r>
             <a:endParaRPr lang="en-US" sz="2600" dirty="0"/>
+          </a:p>
+        </p:txBody>
+      </p:sp>
+      <p:sp>
+        <p:nvSpPr>
+          <p:cNvPr id="4" name="Text 2"/>
+          <p:cNvSpPr/>
+          <p:nvPr/>
+        </p:nvSpPr>
+        <p:spPr>
+          <a:xfrm>
+            <a:off x="457200" y="1041053"/>
+            <a:ext cx="8394192" cy="266700"/>
+          </a:xfrm>
+          <a:prstGeom prst="rect">
+            <a:avLst/>
+          </a:prstGeom>
+          <a:noFill/>
+          <a:ln/>
+        </p:spPr>
+        <p:txBody>
+          <a:bodyPr wrap="square" lIns="0" tIns="0" rIns="0" bIns="0" rtlCol="0" anchor="t"/>
+          <a:lstStyle/>
+          <a:p>
+            <a:pPr algn="l" indent="0" marL="0">
+              <a:spcAft>
+                <a:spcPts val="600"/>
+              </a:spcAft>
+              <a:buNone/>
+            </a:pPr>
+            <a:r>
+              <a:rPr lang="en-US" sz="1800" b="1" dirty="0">
+                <a:solidFill>
+                  <a:srgbClr val="2C2C2C"/>
+                </a:solidFill>
+                <a:latin typeface="Arial" pitchFamily="34" charset="0"/>
+                <a:ea typeface="Arial" pitchFamily="34" charset="-122"/>
+                <a:cs typeface="Arial" pitchFamily="34" charset="-120"/>
+              </a:rPr>
+              <a:t>New terms from today:</a:t>
+            </a:r>
+            <a:endParaRPr lang="en-US" sz="1800" dirty="0"/>
+          </a:p>
+        </p:txBody>
+      </p:sp>
+      <p:sp>
+        <p:nvSpPr>
+          <p:cNvPr id="5" name="Text 3"/>
+          <p:cNvSpPr/>
+          <p:nvPr/>
+        </p:nvSpPr>
+        <p:spPr>
+          <a:xfrm>
+            <a:off x="457200" y="1383953"/>
+            <a:ext cx="8229600" cy="336352"/>
+          </a:xfrm>
+          <a:prstGeom prst="roundRect">
+            <a:avLst>
+              <a:gd name="adj" fmla="val 15103"/>
+            </a:avLst>
+          </a:prstGeom>
+          <a:solidFill>
+            <a:srgbClr val="1E5128"/>
+          </a:solidFill>
+          <a:ln/>
+        </p:spPr>
+        <p:txBody>
+          <a:bodyPr wrap="square" rtlCol="0" anchor="ctr"/>
+          <a:lstStyle/>
+          <a:p>
+            <a:pPr indent="0" marL="0">
+              <a:buNone/>
+            </a:pPr>
+            <a:endParaRPr lang="en-US" dirty="0"/>
+          </a:p>
+        </p:txBody>
+      </p:sp>
+      <p:sp>
+        <p:nvSpPr>
+          <p:cNvPr id="6" name="Text 4"/>
+          <p:cNvSpPr/>
+          <p:nvPr/>
+        </p:nvSpPr>
+        <p:spPr>
+          <a:xfrm>
+            <a:off x="457200" y="1383953"/>
+            <a:ext cx="2383334" cy="336352"/>
+          </a:xfrm>
+          <a:prstGeom prst="rect">
+            <a:avLst/>
+          </a:prstGeom>
+          <a:noFill/>
+          <a:ln/>
+        </p:spPr>
+        <p:txBody>
+          <a:bodyPr wrap="square" lIns="88900" tIns="63500" rIns="88900" bIns="63500" rtlCol="0" anchor="t"/>
+          <a:lstStyle/>
+          <a:p>
+            <a:pPr algn="l" indent="0" marL="0">
+              <a:buNone/>
+            </a:pPr>
+            <a:r>
+              <a:rPr lang="en-US" sz="1400" b="1" dirty="0">
+                <a:solidFill>
+                  <a:srgbClr val="FFFFFF"/>
+                </a:solidFill>
+                <a:latin typeface="Arial" pitchFamily="34" charset="0"/>
+                <a:ea typeface="Arial" pitchFamily="34" charset="-122"/>
+                <a:cs typeface="Arial" pitchFamily="34" charset="-120"/>
+              </a:rPr>
+              <a:t>Term</a:t>
+            </a:r>
+            <a:endParaRPr lang="en-US" sz="1400" dirty="0"/>
+          </a:p>
+        </p:txBody>
+      </p:sp>
+      <p:sp>
+        <p:nvSpPr>
+          <p:cNvPr id="7" name="Text 5"/>
+          <p:cNvSpPr/>
+          <p:nvPr/>
+        </p:nvSpPr>
+        <p:spPr>
+          <a:xfrm>
+            <a:off x="2793802" y="1383953"/>
+            <a:ext cx="6010858" cy="336352"/>
+          </a:xfrm>
+          <a:prstGeom prst="rect">
+            <a:avLst/>
+          </a:prstGeom>
+          <a:noFill/>
+          <a:ln/>
+        </p:spPr>
+        <p:txBody>
+          <a:bodyPr wrap="square" lIns="88900" tIns="63500" rIns="88900" bIns="63500" rtlCol="0" anchor="t"/>
+          <a:lstStyle/>
+          <a:p>
+            <a:pPr algn="l" indent="0" marL="0">
+              <a:buNone/>
+            </a:pPr>
+            <a:r>
+              <a:rPr lang="en-US" sz="1400" b="1" dirty="0">
+                <a:solidFill>
+                  <a:srgbClr val="FFFFFF"/>
+                </a:solidFill>
+                <a:latin typeface="Arial" pitchFamily="34" charset="0"/>
+                <a:ea typeface="Arial" pitchFamily="34" charset="-122"/>
+                <a:cs typeface="Arial" pitchFamily="34" charset="-120"/>
+              </a:rPr>
+              <a:t>Meaning</a:t>
+            </a:r>
+            <a:endParaRPr lang="en-US" sz="1400" dirty="0"/>
+          </a:p>
+        </p:txBody>
+      </p:sp>
+      <p:sp>
+        <p:nvSpPr>
+          <p:cNvPr id="8" name="Text 6"/>
+          <p:cNvSpPr/>
+          <p:nvPr/>
+        </p:nvSpPr>
+        <p:spPr>
+          <a:xfrm>
+            <a:off x="457200" y="1720304"/>
+            <a:ext cx="8229600" cy="311051"/>
+          </a:xfrm>
+          <a:prstGeom prst="rect">
+            <a:avLst/>
+          </a:prstGeom>
+          <a:solidFill>
+            <a:srgbClr val="F4F1DE"/>
+          </a:solidFill>
+          <a:ln/>
+        </p:spPr>
+        <p:txBody>
+          <a:bodyPr wrap="square" rtlCol="0" anchor="ctr"/>
+          <a:lstStyle/>
+          <a:p>
+            <a:pPr indent="0" marL="0">
+              <a:buNone/>
+            </a:pPr>
+            <a:endParaRPr lang="en-US" dirty="0"/>
+          </a:p>
+        </p:txBody>
+      </p:sp>
+      <p:sp>
+        <p:nvSpPr>
+          <p:cNvPr id="9" name="Shape 7"/>
+          <p:cNvSpPr/>
+          <p:nvPr/>
+        </p:nvSpPr>
+        <p:spPr>
+          <a:xfrm>
+            <a:off x="457200" y="2026593"/>
+            <a:ext cx="8229600" cy="0"/>
+          </a:xfrm>
+          <a:prstGeom prst="line">
+            <a:avLst/>
+          </a:prstGeom>
+          <a:noFill/>
+          <a:ln w="9525">
+            <a:solidFill>
+              <a:srgbClr val="CCCCCC"/>
+            </a:solidFill>
+            <a:prstDash val="solid"/>
+          </a:ln>
+        </p:spPr>
+      </p:sp>
+      <p:sp>
+        <p:nvSpPr>
+          <p:cNvPr id="10" name="Text 8"/>
+          <p:cNvSpPr/>
+          <p:nvPr/>
+        </p:nvSpPr>
+        <p:spPr>
+          <a:xfrm>
+            <a:off x="457200" y="1720304"/>
+            <a:ext cx="2383334" cy="301526"/>
+          </a:xfrm>
+          <a:prstGeom prst="rect">
+            <a:avLst/>
+          </a:prstGeom>
+          <a:noFill/>
+          <a:ln/>
+        </p:spPr>
+        <p:txBody>
+          <a:bodyPr wrap="square" lIns="88900" tIns="50800" rIns="88900" bIns="50800" rtlCol="0" anchor="t"/>
+          <a:lstStyle/>
+          <a:p>
+            <a:pPr algn="l" indent="0" marL="0">
+              <a:buNone/>
+            </a:pPr>
+            <a:r>
+              <a:rPr lang="en-US" sz="1300" b="1" dirty="0">
+                <a:solidFill>
+                  <a:srgbClr val="2C2C2C"/>
+                </a:solidFill>
+                <a:latin typeface="Arial" pitchFamily="34" charset="0"/>
+                <a:ea typeface="Arial" pitchFamily="34" charset="-122"/>
+                <a:cs typeface="Arial" pitchFamily="34" charset="-120"/>
+              </a:rPr>
+              <a:t>GitHub Copilot</a:t>
+            </a:r>
+            <a:endParaRPr lang="en-US" sz="1300" dirty="0"/>
+          </a:p>
+        </p:txBody>
+      </p:sp>
+      <p:sp>
+        <p:nvSpPr>
+          <p:cNvPr id="11" name="Text 9"/>
+          <p:cNvSpPr/>
+          <p:nvPr/>
+        </p:nvSpPr>
+        <p:spPr>
+          <a:xfrm>
+            <a:off x="2793802" y="1720304"/>
+            <a:ext cx="6010858" cy="301526"/>
+          </a:xfrm>
+          <a:prstGeom prst="rect">
+            <a:avLst/>
+          </a:prstGeom>
+          <a:noFill/>
+          <a:ln/>
+        </p:spPr>
+        <p:txBody>
+          <a:bodyPr wrap="square" lIns="88900" tIns="50800" rIns="88900" bIns="50800" rtlCol="0" anchor="t"/>
+          <a:lstStyle/>
+          <a:p>
+            <a:pPr algn="l" indent="0" marL="0">
+              <a:buNone/>
+            </a:pPr>
+            <a:r>
+              <a:rPr lang="en-US" sz="1300" dirty="0">
+                <a:solidFill>
+                  <a:srgbClr val="2C2C2C"/>
+                </a:solidFill>
+                <a:latin typeface="Arial" pitchFamily="34" charset="0"/>
+                <a:ea typeface="Arial" pitchFamily="34" charset="-122"/>
+                <a:cs typeface="Arial" pitchFamily="34" charset="-120"/>
+              </a:rPr>
+              <a:t>AI assistant that suggests text and drafts based on what you type</a:t>
+            </a:r>
+            <a:endParaRPr lang="en-US" sz="1300" dirty="0"/>
+          </a:p>
+        </p:txBody>
+      </p:sp>
+      <p:sp>
+        <p:nvSpPr>
+          <p:cNvPr id="12" name="Text 10"/>
+          <p:cNvSpPr/>
+          <p:nvPr/>
+        </p:nvSpPr>
+        <p:spPr>
+          <a:xfrm>
+            <a:off x="457200" y="2031355"/>
+            <a:ext cx="8229600" cy="311051"/>
+          </a:xfrm>
+          <a:prstGeom prst="rect">
+            <a:avLst/>
+          </a:prstGeom>
+          <a:solidFill>
+            <a:srgbClr val="FFFFFF"/>
+          </a:solidFill>
+          <a:ln/>
+        </p:spPr>
+        <p:txBody>
+          <a:bodyPr wrap="square" rtlCol="0" anchor="ctr"/>
+          <a:lstStyle/>
+          <a:p>
+            <a:pPr indent="0" marL="0">
+              <a:buNone/>
+            </a:pPr>
+            <a:endParaRPr lang="en-US" dirty="0"/>
+          </a:p>
+        </p:txBody>
+      </p:sp>
+      <p:sp>
+        <p:nvSpPr>
+          <p:cNvPr id="13" name="Shape 11"/>
+          <p:cNvSpPr/>
+          <p:nvPr/>
+        </p:nvSpPr>
+        <p:spPr>
+          <a:xfrm>
+            <a:off x="457200" y="2337643"/>
+            <a:ext cx="8229600" cy="0"/>
+          </a:xfrm>
+          <a:prstGeom prst="line">
+            <a:avLst/>
+          </a:prstGeom>
+          <a:noFill/>
+          <a:ln w="9525">
+            <a:solidFill>
+              <a:srgbClr val="CCCCCC"/>
+            </a:solidFill>
+            <a:prstDash val="solid"/>
+          </a:ln>
+        </p:spPr>
+      </p:sp>
+      <p:sp>
+        <p:nvSpPr>
+          <p:cNvPr id="14" name="Text 12"/>
+          <p:cNvSpPr/>
+          <p:nvPr/>
+        </p:nvSpPr>
+        <p:spPr>
+          <a:xfrm>
+            <a:off x="457200" y="2031355"/>
+            <a:ext cx="2383334" cy="301526"/>
+          </a:xfrm>
+          <a:prstGeom prst="rect">
+            <a:avLst/>
+          </a:prstGeom>
+          <a:noFill/>
+          <a:ln/>
+        </p:spPr>
+        <p:txBody>
+          <a:bodyPr wrap="square" lIns="88900" tIns="50800" rIns="88900" bIns="50800" rtlCol="0" anchor="t"/>
+          <a:lstStyle/>
+          <a:p>
+            <a:pPr algn="l" indent="0" marL="0">
+              <a:buNone/>
+            </a:pPr>
+            <a:r>
+              <a:rPr lang="en-US" sz="1300" b="1" dirty="0">
+                <a:solidFill>
+                  <a:srgbClr val="2C2C2C"/>
+                </a:solidFill>
+                <a:latin typeface="Arial" pitchFamily="34" charset="0"/>
+                <a:ea typeface="Arial" pitchFamily="34" charset="-122"/>
+                <a:cs typeface="Arial" pitchFamily="34" charset="-120"/>
+              </a:rPr>
+              <a:t>Prompt</a:t>
+            </a:r>
+            <a:endParaRPr lang="en-US" sz="1300" dirty="0"/>
+          </a:p>
+        </p:txBody>
+      </p:sp>
+      <p:sp>
+        <p:nvSpPr>
+          <p:cNvPr id="15" name="Text 13"/>
+          <p:cNvSpPr/>
+          <p:nvPr/>
+        </p:nvSpPr>
+        <p:spPr>
+          <a:xfrm>
+            <a:off x="2793802" y="2031355"/>
+            <a:ext cx="6010858" cy="301526"/>
+          </a:xfrm>
+          <a:prstGeom prst="rect">
+            <a:avLst/>
+          </a:prstGeom>
+          <a:noFill/>
+          <a:ln/>
+        </p:spPr>
+        <p:txBody>
+          <a:bodyPr wrap="square" lIns="88900" tIns="50800" rIns="88900" bIns="50800" rtlCol="0" anchor="t"/>
+          <a:lstStyle/>
+          <a:p>
+            <a:pPr algn="l" indent="0" marL="0">
+              <a:buNone/>
+            </a:pPr>
+            <a:r>
+              <a:rPr lang="en-US" sz="1300" dirty="0">
+                <a:solidFill>
+                  <a:srgbClr val="2C2C2C"/>
+                </a:solidFill>
+                <a:latin typeface="Arial" pitchFamily="34" charset="0"/>
+                <a:ea typeface="Arial" pitchFamily="34" charset="-122"/>
+                <a:cs typeface="Arial" pitchFamily="34" charset="-120"/>
+              </a:rPr>
+              <a:t>The instruction you give Copilot to tell it what you need</a:t>
+            </a:r>
+            <a:endParaRPr lang="en-US" sz="1300" dirty="0"/>
+          </a:p>
+        </p:txBody>
+      </p:sp>
+      <p:sp>
+        <p:nvSpPr>
+          <p:cNvPr id="16" name="Text 14"/>
+          <p:cNvSpPr/>
+          <p:nvPr/>
+        </p:nvSpPr>
+        <p:spPr>
+          <a:xfrm>
+            <a:off x="457200" y="2342406"/>
+            <a:ext cx="8229600" cy="311051"/>
+          </a:xfrm>
+          <a:prstGeom prst="rect">
+            <a:avLst/>
+          </a:prstGeom>
+          <a:solidFill>
+            <a:srgbClr val="F4F1DE"/>
+          </a:solidFill>
+          <a:ln/>
+        </p:spPr>
+        <p:txBody>
+          <a:bodyPr wrap="square" rtlCol="0" anchor="ctr"/>
+          <a:lstStyle/>
+          <a:p>
+            <a:pPr indent="0" marL="0">
+              <a:buNone/>
+            </a:pPr>
+            <a:endParaRPr lang="en-US" dirty="0"/>
+          </a:p>
+        </p:txBody>
+      </p:sp>
+      <p:sp>
+        <p:nvSpPr>
+          <p:cNvPr id="17" name="Shape 15"/>
+          <p:cNvSpPr/>
+          <p:nvPr/>
+        </p:nvSpPr>
+        <p:spPr>
+          <a:xfrm>
+            <a:off x="457200" y="2648694"/>
+            <a:ext cx="8229600" cy="0"/>
+          </a:xfrm>
+          <a:prstGeom prst="line">
+            <a:avLst/>
+          </a:prstGeom>
+          <a:noFill/>
+          <a:ln w="9525">
+            <a:solidFill>
+              <a:srgbClr val="CCCCCC"/>
+            </a:solidFill>
+            <a:prstDash val="solid"/>
+          </a:ln>
+        </p:spPr>
+      </p:sp>
+      <p:sp>
+        <p:nvSpPr>
+          <p:cNvPr id="18" name="Text 16"/>
+          <p:cNvSpPr/>
+          <p:nvPr/>
+        </p:nvSpPr>
+        <p:spPr>
+          <a:xfrm>
+            <a:off x="457200" y="2342406"/>
+            <a:ext cx="2383334" cy="301526"/>
+          </a:xfrm>
+          <a:prstGeom prst="rect">
+            <a:avLst/>
+          </a:prstGeom>
+          <a:noFill/>
+          <a:ln/>
+        </p:spPr>
+        <p:txBody>
+          <a:bodyPr wrap="square" lIns="88900" tIns="50800" rIns="88900" bIns="50800" rtlCol="0" anchor="t"/>
+          <a:lstStyle/>
+          <a:p>
+            <a:pPr algn="l" indent="0" marL="0">
+              <a:buNone/>
+            </a:pPr>
+            <a:r>
+              <a:rPr lang="en-US" sz="1300" b="1" dirty="0">
+                <a:solidFill>
+                  <a:srgbClr val="2C2C2C"/>
+                </a:solidFill>
+                <a:latin typeface="Arial" pitchFamily="34" charset="0"/>
+                <a:ea typeface="Arial" pitchFamily="34" charset="-122"/>
+                <a:cs typeface="Arial" pitchFamily="34" charset="-120"/>
+              </a:rPr>
+              <a:t>Draft</a:t>
+            </a:r>
+            <a:endParaRPr lang="en-US" sz="1300" dirty="0"/>
+          </a:p>
+        </p:txBody>
+      </p:sp>
+      <p:sp>
+        <p:nvSpPr>
+          <p:cNvPr id="19" name="Text 17"/>
+          <p:cNvSpPr/>
+          <p:nvPr/>
+        </p:nvSpPr>
+        <p:spPr>
+          <a:xfrm>
+            <a:off x="2793802" y="2342406"/>
+            <a:ext cx="6010858" cy="301526"/>
+          </a:xfrm>
+          <a:prstGeom prst="rect">
+            <a:avLst/>
+          </a:prstGeom>
+          <a:noFill/>
+          <a:ln/>
+        </p:spPr>
+        <p:txBody>
+          <a:bodyPr wrap="square" lIns="88900" tIns="50800" rIns="88900" bIns="50800" rtlCol="0" anchor="t"/>
+          <a:lstStyle/>
+          <a:p>
+            <a:pPr algn="l" indent="0" marL="0">
+              <a:buNone/>
+            </a:pPr>
+            <a:r>
+              <a:rPr lang="en-US" sz="1300" dirty="0">
+                <a:solidFill>
+                  <a:srgbClr val="2C2C2C"/>
+                </a:solidFill>
+                <a:latin typeface="Arial" pitchFamily="34" charset="0"/>
+                <a:ea typeface="Arial" pitchFamily="34" charset="-122"/>
+                <a:cs typeface="Arial" pitchFamily="34" charset="-120"/>
+              </a:rPr>
+              <a:t>The text Copilot generates for you to review and edit</a:t>
+            </a:r>
+            <a:endParaRPr lang="en-US" sz="1300" dirty="0"/>
+          </a:p>
+        </p:txBody>
+      </p:sp>
+      <p:sp>
+        <p:nvSpPr>
+          <p:cNvPr id="20" name="Text 18"/>
+          <p:cNvSpPr/>
+          <p:nvPr/>
+        </p:nvSpPr>
+        <p:spPr>
+          <a:xfrm>
+            <a:off x="457200" y="2653457"/>
+            <a:ext cx="8229600" cy="311051"/>
+          </a:xfrm>
+          <a:prstGeom prst="rect">
+            <a:avLst/>
+          </a:prstGeom>
+          <a:solidFill>
+            <a:srgbClr val="FFFFFF"/>
+          </a:solidFill>
+          <a:ln/>
+        </p:spPr>
+        <p:txBody>
+          <a:bodyPr wrap="square" rtlCol="0" anchor="ctr"/>
+          <a:lstStyle/>
+          <a:p>
+            <a:pPr indent="0" marL="0">
+              <a:buNone/>
+            </a:pPr>
+            <a:endParaRPr lang="en-US" dirty="0"/>
+          </a:p>
+        </p:txBody>
+      </p:sp>
+      <p:sp>
+        <p:nvSpPr>
+          <p:cNvPr id="21" name="Shape 19"/>
+          <p:cNvSpPr/>
+          <p:nvPr/>
+        </p:nvSpPr>
+        <p:spPr>
+          <a:xfrm>
+            <a:off x="457200" y="2959745"/>
+            <a:ext cx="8229600" cy="0"/>
+          </a:xfrm>
+          <a:prstGeom prst="line">
+            <a:avLst/>
+          </a:prstGeom>
+          <a:noFill/>
+          <a:ln w="9525">
+            <a:solidFill>
+              <a:srgbClr val="CCCCCC"/>
+            </a:solidFill>
+            <a:prstDash val="solid"/>
+          </a:ln>
+        </p:spPr>
+      </p:sp>
+      <p:sp>
+        <p:nvSpPr>
+          <p:cNvPr id="22" name="Text 20"/>
+          <p:cNvSpPr/>
+          <p:nvPr/>
+        </p:nvSpPr>
+        <p:spPr>
+          <a:xfrm>
+            <a:off x="457200" y="2653457"/>
+            <a:ext cx="2383334" cy="301526"/>
+          </a:xfrm>
+          <a:prstGeom prst="rect">
+            <a:avLst/>
+          </a:prstGeom>
+          <a:noFill/>
+          <a:ln/>
+        </p:spPr>
+        <p:txBody>
+          <a:bodyPr wrap="square" lIns="88900" tIns="50800" rIns="88900" bIns="50800" rtlCol="0" anchor="t"/>
+          <a:lstStyle/>
+          <a:p>
+            <a:pPr algn="l" indent="0" marL="0">
+              <a:buNone/>
+            </a:pPr>
+            <a:r>
+              <a:rPr lang="en-US" sz="1300" b="1" dirty="0">
+                <a:solidFill>
+                  <a:srgbClr val="2C2C2C"/>
+                </a:solidFill>
+                <a:latin typeface="Arial" pitchFamily="34" charset="0"/>
+                <a:ea typeface="Arial" pitchFamily="34" charset="-122"/>
+                <a:cs typeface="Arial" pitchFamily="34" charset="-120"/>
+              </a:rPr>
+              <a:t>Evaluate</a:t>
+            </a:r>
+            <a:endParaRPr lang="en-US" sz="1300" dirty="0"/>
+          </a:p>
+        </p:txBody>
+      </p:sp>
+      <p:sp>
+        <p:nvSpPr>
+          <p:cNvPr id="23" name="Text 21"/>
+          <p:cNvSpPr/>
+          <p:nvPr/>
+        </p:nvSpPr>
+        <p:spPr>
+          <a:xfrm>
+            <a:off x="2793802" y="2653457"/>
+            <a:ext cx="6010858" cy="301526"/>
+          </a:xfrm>
+          <a:prstGeom prst="rect">
+            <a:avLst/>
+          </a:prstGeom>
+          <a:noFill/>
+          <a:ln/>
+        </p:spPr>
+        <p:txBody>
+          <a:bodyPr wrap="square" lIns="88900" tIns="50800" rIns="88900" bIns="50800" rtlCol="0" anchor="t"/>
+          <a:lstStyle/>
+          <a:p>
+            <a:pPr algn="l" indent="0" marL="0">
+              <a:buNone/>
+            </a:pPr>
+            <a:r>
+              <a:rPr lang="en-US" sz="1300" dirty="0">
+                <a:solidFill>
+                  <a:srgbClr val="2C2C2C"/>
+                </a:solidFill>
+                <a:latin typeface="Arial" pitchFamily="34" charset="0"/>
+                <a:ea typeface="Arial" pitchFamily="34" charset="-122"/>
+                <a:cs typeface="Arial" pitchFamily="34" charset="-120"/>
+              </a:rPr>
+              <a:t>Checking output for accuracy, completeness, and relevance</a:t>
+            </a:r>
+            <a:endParaRPr lang="en-US" sz="1300" dirty="0"/>
+          </a:p>
+        </p:txBody>
+      </p:sp>
+      <p:sp>
+        <p:nvSpPr>
+          <p:cNvPr id="24" name="Text 22"/>
+          <p:cNvSpPr/>
+          <p:nvPr/>
+        </p:nvSpPr>
+        <p:spPr>
+          <a:xfrm>
+            <a:off x="457200" y="2964507"/>
+            <a:ext cx="8229600" cy="311051"/>
+          </a:xfrm>
+          <a:prstGeom prst="rect">
+            <a:avLst/>
+          </a:prstGeom>
+          <a:solidFill>
+            <a:srgbClr val="F4F1DE"/>
+          </a:solidFill>
+          <a:ln/>
+        </p:spPr>
+        <p:txBody>
+          <a:bodyPr wrap="square" rtlCol="0" anchor="ctr"/>
+          <a:lstStyle/>
+          <a:p>
+            <a:pPr indent="0" marL="0">
+              <a:buNone/>
+            </a:pPr>
+            <a:endParaRPr lang="en-US" dirty="0"/>
+          </a:p>
+        </p:txBody>
+      </p:sp>
+      <p:sp>
+        <p:nvSpPr>
+          <p:cNvPr id="25" name="Shape 23"/>
+          <p:cNvSpPr/>
+          <p:nvPr/>
+        </p:nvSpPr>
+        <p:spPr>
+          <a:xfrm>
+            <a:off x="457200" y="3270796"/>
+            <a:ext cx="8229600" cy="0"/>
+          </a:xfrm>
+          <a:prstGeom prst="line">
+            <a:avLst/>
+          </a:prstGeom>
+          <a:noFill/>
+          <a:ln w="9525">
+            <a:solidFill>
+              <a:srgbClr val="CCCCCC"/>
+            </a:solidFill>
+            <a:prstDash val="solid"/>
+          </a:ln>
+        </p:spPr>
+      </p:sp>
+      <p:sp>
+        <p:nvSpPr>
+          <p:cNvPr id="26" name="Text 24"/>
+          <p:cNvSpPr/>
+          <p:nvPr/>
+        </p:nvSpPr>
+        <p:spPr>
+          <a:xfrm>
+            <a:off x="457200" y="2964507"/>
+            <a:ext cx="2383334" cy="301526"/>
+          </a:xfrm>
+          <a:prstGeom prst="rect">
+            <a:avLst/>
+          </a:prstGeom>
+          <a:noFill/>
+          <a:ln/>
+        </p:spPr>
+        <p:txBody>
+          <a:bodyPr wrap="square" lIns="88900" tIns="50800" rIns="88900" bIns="50800" rtlCol="0" anchor="t"/>
+          <a:lstStyle/>
+          <a:p>
+            <a:pPr algn="l" indent="0" marL="0">
+              <a:buNone/>
+            </a:pPr>
+            <a:r>
+              <a:rPr lang="en-US" sz="1300" b="1" dirty="0">
+                <a:solidFill>
+                  <a:srgbClr val="2C2C2C"/>
+                </a:solidFill>
+                <a:latin typeface="Arial" pitchFamily="34" charset="0"/>
+                <a:ea typeface="Arial" pitchFamily="34" charset="-122"/>
+                <a:cs typeface="Arial" pitchFamily="34" charset="-120"/>
+              </a:rPr>
+              <a:t>AI assistant</a:t>
+            </a:r>
+            <a:endParaRPr lang="en-US" sz="1300" dirty="0"/>
+          </a:p>
+        </p:txBody>
+      </p:sp>
+      <p:sp>
+        <p:nvSpPr>
+          <p:cNvPr id="27" name="Text 25"/>
+          <p:cNvSpPr/>
+          <p:nvPr/>
+        </p:nvSpPr>
+        <p:spPr>
+          <a:xfrm>
+            <a:off x="2793802" y="2964507"/>
+            <a:ext cx="6010858" cy="301526"/>
+          </a:xfrm>
+          <a:prstGeom prst="rect">
+            <a:avLst/>
+          </a:prstGeom>
+          <a:noFill/>
+          <a:ln/>
+        </p:spPr>
+        <p:txBody>
+          <a:bodyPr wrap="square" lIns="88900" tIns="50800" rIns="88900" bIns="50800" rtlCol="0" anchor="t"/>
+          <a:lstStyle/>
+          <a:p>
+            <a:pPr algn="l" indent="0" marL="0">
+              <a:buNone/>
+            </a:pPr>
+            <a:r>
+              <a:rPr lang="en-US" sz="1300" dirty="0">
+                <a:solidFill>
+                  <a:srgbClr val="2C2C2C"/>
+                </a:solidFill>
+                <a:latin typeface="Arial" pitchFamily="34" charset="0"/>
+                <a:ea typeface="Arial" pitchFamily="34" charset="-122"/>
+                <a:cs typeface="Arial" pitchFamily="34" charset="-120"/>
+              </a:rPr>
+              <a:t>A tool that helps with tasks but requires human oversight</a:t>
+            </a:r>
+            <a:endParaRPr lang="en-US" sz="1300" dirty="0"/>
           </a:p>
         </p:txBody>
       </p:sp>
@@ -9013,7 +10604,7 @@
     <p:bg>
       <p:bgPr>
         <a:solidFill>
-          <a:srgbClr val="FFFFFF"/>
+          <a:srgbClr val="F4F1DE"/>
         </a:solidFill>
       </p:bgPr>
     </p:bg>
@@ -9040,7 +10631,7 @@
         <p:spPr>
           <a:xfrm>
             <a:off x="0" y="0"/>
-            <a:ext cx="9144000" cy="863501"/>
+            <a:ext cx="9144000" cy="914102"/>
           </a:xfrm>
           <a:prstGeom prst="rect">
             <a:avLst/>
@@ -9069,7 +10660,7 @@
         </p:nvSpPr>
         <p:spPr>
           <a:xfrm>
-            <a:off x="355550" y="246013"/>
+            <a:off x="457200" y="271314"/>
             <a:ext cx="5307699" cy="371475"/>
           </a:xfrm>
           <a:prstGeom prst="rect">
@@ -9108,8 +10699,8 @@
         </p:nvSpPr>
         <p:spPr>
           <a:xfrm>
-            <a:off x="271221" y="1746498"/>
-            <a:ext cx="8601557" cy="753963"/>
+            <a:off x="374904" y="1936700"/>
+            <a:ext cx="8394192" cy="533400"/>
           </a:xfrm>
           <a:prstGeom prst="rect">
             <a:avLst/>
@@ -9122,29 +10713,23 @@
           <a:lstStyle/>
           <a:p>
             <a:pPr algn="ctr" indent="0" marL="0">
-              <a:lnSpc>
-                <a:spcPts val="2970"/>
-              </a:lnSpc>
-              <a:spcBef>
-                <a:spcPts val="500"/>
-              </a:spcBef>
-              <a:spcAft>
-                <a:spcPts val="500"/>
-              </a:spcAft>
-              <a:buNone/>
-            </a:pPr>
-            <a:r>
-              <a:rPr lang="en-US" sz="2200" b="1" dirty="0">
-                <a:solidFill>
-                  <a:srgbClr val="2C2C2C"/>
-                </a:solidFill>
-                <a:latin typeface="Arial" pitchFamily="34" charset="0"/>
-                <a:ea typeface="Arial" pitchFamily="34" charset="-122"/>
-                <a:cs typeface="Arial" pitchFamily="34" charset="-120"/>
-              </a:rPr>
-              <a:t>Have you ever stared at a blank Issue and thought, "I know what needs doing, but writing it all out takes forever"?</a:t>
-            </a:r>
-            <a:endParaRPr lang="en-US" sz="2200" dirty="0"/>
+              <a:spcAft>
+                <a:spcPts val="1000"/>
+              </a:spcAft>
+              <a:buNone/>
+            </a:pPr>
+            <a:r>
+              <a:rPr lang="en-US" sz="1800" b="1" dirty="0">
+                <a:solidFill>
+                  <a:srgbClr val="2C2C2C"/>
+                </a:solidFill>
+                <a:latin typeface="Arial" pitchFamily="34" charset="0"/>
+                <a:ea typeface="Arial" pitchFamily="34" charset="-122"/>
+                <a:cs typeface="Arial" pitchFamily="34" charset="-120"/>
+              </a:rPr>
+              <a:t>Have you ever stared at a blank Issue and thought, “I know what needs doing, but writing it all out takes forever”?</a:t>
+            </a:r>
+            <a:endParaRPr lang="en-US" sz="1800" dirty="0"/>
           </a:p>
         </p:txBody>
       </p:sp>
@@ -9156,31 +10741,28 @@
         </p:nvSpPr>
         <p:spPr>
           <a:xfrm>
-            <a:off x="1928217" y="2627263"/>
-            <a:ext cx="5287566" cy="1129308"/>
-          </a:xfrm>
-          <a:prstGeom prst="rect">
-            <a:avLst/>
-          </a:prstGeom>
-          <a:noFill/>
-          <a:ln/>
-        </p:spPr>
-        <p:txBody>
-          <a:bodyPr wrap="square" lIns="165100" tIns="0" rIns="0" bIns="0" rtlCol="0" anchor="t"/>
-          <a:lstStyle/>
-          <a:p>
-            <a:pPr algn="l" marL="165100" indent="-165100">
-              <a:lnSpc>
-                <a:spcPts val="2565"/>
-              </a:lnSpc>
-              <a:spcAft>
-                <a:spcPts val="300"/>
+            <a:off x="2070943" y="2597051"/>
+            <a:ext cx="5001964" cy="952351"/>
+          </a:xfrm>
+          <a:prstGeom prst="rect">
+            <a:avLst/>
+          </a:prstGeom>
+          <a:noFill/>
+          <a:ln/>
+        </p:spPr>
+        <p:txBody>
+          <a:bodyPr wrap="square" lIns="152400" tIns="0" rIns="0" bIns="0" rtlCol="0" anchor="t"/>
+          <a:lstStyle/>
+          <a:p>
+            <a:pPr algn="l" marL="152400" indent="-152400">
+              <a:spcAft>
+                <a:spcPts val="400"/>
               </a:spcAft>
               <a:buSzPct val="100000"/>
               <a:buChar char="•"/>
             </a:pPr>
             <a:r>
-              <a:rPr lang="en-US" sz="1900" dirty="0">
+              <a:rPr lang="en-US" sz="1800" dirty="0">
                 <a:solidFill>
                   <a:srgbClr val="2C2C2C"/>
                 </a:solidFill>
@@ -9190,21 +10772,18 @@
               </a:rPr>
               <a:t>Describing every step of spring planting prep</a:t>
             </a:r>
-            <a:endParaRPr lang="en-US" sz="1900" dirty="0"/>
-          </a:p>
-          <a:p>
-            <a:pPr algn="l" marL="165100" indent="-165100">
-              <a:lnSpc>
-                <a:spcPts val="2565"/>
-              </a:lnSpc>
-              <a:spcAft>
-                <a:spcPts val="300"/>
+            <a:endParaRPr lang="en-US" sz="1800" dirty="0"/>
+          </a:p>
+          <a:p>
+            <a:pPr algn="l" marL="152400" indent="-152400">
+              <a:spcAft>
+                <a:spcPts val="400"/>
               </a:spcAft>
               <a:buSzPct val="100000"/>
               <a:buChar char="•"/>
             </a:pPr>
             <a:r>
-              <a:rPr lang="en-US" sz="1900" dirty="0">
+              <a:rPr lang="en-US" sz="1800" dirty="0">
                 <a:solidFill>
                   <a:srgbClr val="2C2C2C"/>
                 </a:solidFill>
@@ -9214,21 +10793,18 @@
               </a:rPr>
               <a:t>Writing a full equipment maintenance checklist</a:t>
             </a:r>
-            <a:endParaRPr lang="en-US" sz="1900" dirty="0"/>
-          </a:p>
-          <a:p>
-            <a:pPr algn="l" marL="165100" indent="-165100">
-              <a:lnSpc>
-                <a:spcPts val="2565"/>
-              </a:lnSpc>
-              <a:spcAft>
-                <a:spcPts val="300"/>
+            <a:endParaRPr lang="en-US" sz="1800" dirty="0"/>
+          </a:p>
+          <a:p>
+            <a:pPr algn="l" marL="152400" indent="-152400">
+              <a:spcAft>
+                <a:spcPts val="400"/>
               </a:spcAft>
               <a:buSzPct val="100000"/>
               <a:buChar char="•"/>
             </a:pPr>
             <a:r>
-              <a:rPr lang="en-US" sz="1900" dirty="0">
+              <a:rPr lang="en-US" sz="1800" dirty="0">
                 <a:solidFill>
                   <a:srgbClr val="2C2C2C"/>
                 </a:solidFill>
@@ -9238,7 +10814,7 @@
               </a:rPr>
               <a:t>Detailing a livestock vaccination schedule</a:t>
             </a:r>
-            <a:endParaRPr lang="en-US" sz="1900" dirty="0"/>
+            <a:endParaRPr lang="en-US" sz="1800" dirty="0"/>
           </a:p>
         </p:txBody>
       </p:sp>
@@ -9250,8 +10826,8 @@
         </p:nvSpPr>
         <p:spPr>
           <a:xfrm>
-            <a:off x="416045" y="3883372"/>
-            <a:ext cx="8311762" cy="376982"/>
+            <a:off x="1171273" y="3727103"/>
+            <a:ext cx="6801305" cy="266700"/>
           </a:xfrm>
           <a:prstGeom prst="rect">
             <a:avLst/>
@@ -9264,19 +10840,13 @@
           <a:lstStyle/>
           <a:p>
             <a:pPr algn="ctr" indent="0" marL="0">
-              <a:lnSpc>
-                <a:spcPts val="2970"/>
-              </a:lnSpc>
-              <a:spcBef>
-                <a:spcPts val="500"/>
-              </a:spcBef>
-              <a:spcAft>
-                <a:spcPts val="500"/>
-              </a:spcAft>
-              <a:buNone/>
-            </a:pPr>
-            <a:r>
-              <a:rPr lang="en-US" sz="2200" b="1" dirty="0">
+              <a:spcAft>
+                <a:spcPts val="1000"/>
+              </a:spcAft>
+              <a:buNone/>
+            </a:pPr>
+            <a:r>
+              <a:rPr lang="en-US" sz="1800" b="1" dirty="0">
                 <a:solidFill>
                   <a:srgbClr val="2C2C2C"/>
                 </a:solidFill>
@@ -9286,7 +10856,7 @@
               </a:rPr>
               <a:t>What if you had a helper who could write a first draft for you?</a:t>
             </a:r>
-            <a:endParaRPr lang="en-US" sz="2200" dirty="0"/>
+            <a:endParaRPr lang="en-US" sz="1800" dirty="0"/>
           </a:p>
         </p:txBody>
       </p:sp>
@@ -10367,7 +11937,7 @@
     <p:bg>
       <p:bgPr>
         <a:solidFill>
-          <a:srgbClr val="FFFFFF"/>
+          <a:srgbClr val="F4F1DE"/>
         </a:solidFill>
       </p:bgPr>
     </p:bg>
@@ -10394,7 +11964,7 @@
         <p:spPr>
           <a:xfrm>
             <a:off x="0" y="0"/>
-            <a:ext cx="9144000" cy="863501"/>
+            <a:ext cx="9144000" cy="914102"/>
           </a:xfrm>
           <a:prstGeom prst="rect">
             <a:avLst/>
@@ -10423,7 +11993,7 @@
         </p:nvSpPr>
         <p:spPr>
           <a:xfrm>
-            <a:off x="355550" y="246013"/>
+            <a:off x="457200" y="271314"/>
             <a:ext cx="4506474" cy="371475"/>
           </a:xfrm>
           <a:prstGeom prst="rect">
@@ -10451,6 +12021,589 @@
               <a:t>The Human + AI Partnership</a:t>
             </a:r>
             <a:endParaRPr lang="en-US" sz="2600" dirty="0"/>
+          </a:p>
+        </p:txBody>
+      </p:sp>
+      <p:sp>
+        <p:nvSpPr>
+          <p:cNvPr id="4" name="Text 2"/>
+          <p:cNvSpPr/>
+          <p:nvPr/>
+        </p:nvSpPr>
+        <p:spPr>
+          <a:xfrm>
+            <a:off x="457200" y="1041053"/>
+            <a:ext cx="8394192" cy="266700"/>
+          </a:xfrm>
+          <a:prstGeom prst="rect">
+            <a:avLst/>
+          </a:prstGeom>
+          <a:noFill/>
+          <a:ln/>
+        </p:spPr>
+        <p:txBody>
+          <a:bodyPr wrap="square" lIns="0" tIns="0" rIns="0" bIns="0" rtlCol="0" anchor="t"/>
+          <a:lstStyle/>
+          <a:p>
+            <a:pPr algn="l" indent="0" marL="0">
+              <a:spcAft>
+                <a:spcPts val="500"/>
+              </a:spcAft>
+              <a:buNone/>
+            </a:pPr>
+            <a:r>
+              <a:rPr lang="en-US" sz="1800" b="1" dirty="0">
+                <a:solidFill>
+                  <a:srgbClr val="2C2C2C"/>
+                </a:solidFill>
+                <a:latin typeface="Arial" pitchFamily="34" charset="0"/>
+                <a:ea typeface="Arial" pitchFamily="34" charset="-122"/>
+                <a:cs typeface="Arial" pitchFamily="34" charset="-120"/>
+              </a:rPr>
+              <a:t>How to Think About Copilot:</a:t>
+            </a:r>
+            <a:endParaRPr lang="en-US" sz="1800" dirty="0"/>
+          </a:p>
+        </p:txBody>
+      </p:sp>
+      <p:sp>
+        <p:nvSpPr>
+          <p:cNvPr id="5" name="Text 3"/>
+          <p:cNvSpPr/>
+          <p:nvPr/>
+        </p:nvSpPr>
+        <p:spPr>
+          <a:xfrm>
+            <a:off x="457200" y="1371154"/>
+            <a:ext cx="8229600" cy="336352"/>
+          </a:xfrm>
+          <a:prstGeom prst="roundRect">
+            <a:avLst>
+              <a:gd name="adj" fmla="val 15103"/>
+            </a:avLst>
+          </a:prstGeom>
+          <a:solidFill>
+            <a:srgbClr val="1E5128"/>
+          </a:solidFill>
+          <a:ln/>
+        </p:spPr>
+        <p:txBody>
+          <a:bodyPr wrap="square" rtlCol="0" anchor="ctr"/>
+          <a:lstStyle/>
+          <a:p>
+            <a:pPr indent="0" marL="0">
+              <a:buNone/>
+            </a:pPr>
+            <a:endParaRPr lang="en-US" dirty="0"/>
+          </a:p>
+        </p:txBody>
+      </p:sp>
+      <p:sp>
+        <p:nvSpPr>
+          <p:cNvPr id="6" name="Text 4"/>
+          <p:cNvSpPr/>
+          <p:nvPr/>
+        </p:nvSpPr>
+        <p:spPr>
+          <a:xfrm>
+            <a:off x="457200" y="1371154"/>
+            <a:ext cx="2771954" cy="336352"/>
+          </a:xfrm>
+          <a:prstGeom prst="rect">
+            <a:avLst/>
+          </a:prstGeom>
+          <a:noFill/>
+          <a:ln/>
+        </p:spPr>
+        <p:txBody>
+          <a:bodyPr wrap="square" lIns="88900" tIns="63500" rIns="88900" bIns="63500" rtlCol="0" anchor="t"/>
+          <a:lstStyle/>
+          <a:p>
+            <a:pPr algn="l" indent="0" marL="0">
+              <a:buNone/>
+            </a:pPr>
+            <a:r>
+              <a:rPr lang="en-US" sz="1400" b="1" dirty="0">
+                <a:solidFill>
+                  <a:srgbClr val="FFFFFF"/>
+                </a:solidFill>
+                <a:latin typeface="Arial" pitchFamily="34" charset="0"/>
+                <a:ea typeface="Arial" pitchFamily="34" charset="-122"/>
+                <a:cs typeface="Arial" pitchFamily="34" charset="-120"/>
+              </a:rPr>
+              <a:t>Role</a:t>
+            </a:r>
+            <a:endParaRPr lang="en-US" sz="1400" dirty="0"/>
+          </a:p>
+        </p:txBody>
+      </p:sp>
+      <p:sp>
+        <p:nvSpPr>
+          <p:cNvPr id="7" name="Text 5"/>
+          <p:cNvSpPr/>
+          <p:nvPr/>
+        </p:nvSpPr>
+        <p:spPr>
+          <a:xfrm>
+            <a:off x="3174802" y="1371154"/>
+            <a:ext cx="5622238" cy="336352"/>
+          </a:xfrm>
+          <a:prstGeom prst="rect">
+            <a:avLst/>
+          </a:prstGeom>
+          <a:noFill/>
+          <a:ln/>
+        </p:spPr>
+        <p:txBody>
+          <a:bodyPr wrap="square" lIns="88900" tIns="63500" rIns="88900" bIns="63500" rtlCol="0" anchor="t"/>
+          <a:lstStyle/>
+          <a:p>
+            <a:pPr algn="l" indent="0" marL="0">
+              <a:buNone/>
+            </a:pPr>
+            <a:r>
+              <a:rPr lang="en-US" sz="1400" b="1" dirty="0">
+                <a:solidFill>
+                  <a:srgbClr val="FFFFFF"/>
+                </a:solidFill>
+                <a:latin typeface="Arial" pitchFamily="34" charset="0"/>
+                <a:ea typeface="Arial" pitchFamily="34" charset="-122"/>
+                <a:cs typeface="Arial" pitchFamily="34" charset="-120"/>
+              </a:rPr>
+              <a:t>What They Do</a:t>
+            </a:r>
+            <a:endParaRPr lang="en-US" sz="1400" dirty="0"/>
+          </a:p>
+        </p:txBody>
+      </p:sp>
+      <p:sp>
+        <p:nvSpPr>
+          <p:cNvPr id="8" name="Text 6"/>
+          <p:cNvSpPr/>
+          <p:nvPr/>
+        </p:nvSpPr>
+        <p:spPr>
+          <a:xfrm>
+            <a:off x="457200" y="1707505"/>
+            <a:ext cx="8229600" cy="311051"/>
+          </a:xfrm>
+          <a:prstGeom prst="rect">
+            <a:avLst/>
+          </a:prstGeom>
+          <a:solidFill>
+            <a:srgbClr val="F4F1DE"/>
+          </a:solidFill>
+          <a:ln/>
+        </p:spPr>
+        <p:txBody>
+          <a:bodyPr wrap="square" rtlCol="0" anchor="ctr"/>
+          <a:lstStyle/>
+          <a:p>
+            <a:pPr indent="0" marL="0">
+              <a:buNone/>
+            </a:pPr>
+            <a:endParaRPr lang="en-US" dirty="0"/>
+          </a:p>
+        </p:txBody>
+      </p:sp>
+      <p:sp>
+        <p:nvSpPr>
+          <p:cNvPr id="9" name="Shape 7"/>
+          <p:cNvSpPr/>
+          <p:nvPr/>
+        </p:nvSpPr>
+        <p:spPr>
+          <a:xfrm>
+            <a:off x="457200" y="2013793"/>
+            <a:ext cx="8229600" cy="0"/>
+          </a:xfrm>
+          <a:prstGeom prst="line">
+            <a:avLst/>
+          </a:prstGeom>
+          <a:noFill/>
+          <a:ln w="9525">
+            <a:solidFill>
+              <a:srgbClr val="CCCCCC"/>
+            </a:solidFill>
+            <a:prstDash val="solid"/>
+          </a:ln>
+        </p:spPr>
+      </p:sp>
+      <p:sp>
+        <p:nvSpPr>
+          <p:cNvPr id="10" name="Text 8"/>
+          <p:cNvSpPr/>
+          <p:nvPr/>
+        </p:nvSpPr>
+        <p:spPr>
+          <a:xfrm>
+            <a:off x="457200" y="1707505"/>
+            <a:ext cx="2771954" cy="301526"/>
+          </a:xfrm>
+          <a:prstGeom prst="rect">
+            <a:avLst/>
+          </a:prstGeom>
+          <a:noFill/>
+          <a:ln/>
+        </p:spPr>
+        <p:txBody>
+          <a:bodyPr wrap="square" lIns="88900" tIns="50800" rIns="88900" bIns="50800" rtlCol="0" anchor="t"/>
+          <a:lstStyle/>
+          <a:p>
+            <a:pPr algn="l" indent="0" marL="0">
+              <a:buNone/>
+            </a:pPr>
+            <a:r>
+              <a:rPr lang="en-US" sz="1300" b="1" dirty="0">
+                <a:solidFill>
+                  <a:srgbClr val="2C2C2C"/>
+                </a:solidFill>
+                <a:latin typeface="Arial" pitchFamily="34" charset="0"/>
+                <a:ea typeface="Arial" pitchFamily="34" charset="-122"/>
+                <a:cs typeface="Arial" pitchFamily="34" charset="-120"/>
+              </a:rPr>
+              <a:t>You (the farmer)</a:t>
+            </a:r>
+            <a:endParaRPr lang="en-US" sz="1300" dirty="0"/>
+          </a:p>
+        </p:txBody>
+      </p:sp>
+      <p:sp>
+        <p:nvSpPr>
+          <p:cNvPr id="11" name="Text 9"/>
+          <p:cNvSpPr/>
+          <p:nvPr/>
+        </p:nvSpPr>
+        <p:spPr>
+          <a:xfrm>
+            <a:off x="3174802" y="1707505"/>
+            <a:ext cx="5622238" cy="301526"/>
+          </a:xfrm>
+          <a:prstGeom prst="rect">
+            <a:avLst/>
+          </a:prstGeom>
+          <a:noFill/>
+          <a:ln/>
+        </p:spPr>
+        <p:txBody>
+          <a:bodyPr wrap="square" lIns="88900" tIns="50800" rIns="88900" bIns="50800" rtlCol="0" anchor="t"/>
+          <a:lstStyle/>
+          <a:p>
+            <a:pPr algn="l" indent="0" marL="0">
+              <a:buNone/>
+            </a:pPr>
+            <a:r>
+              <a:rPr lang="en-US" sz="1300" dirty="0">
+                <a:solidFill>
+                  <a:srgbClr val="2C2C2C"/>
+                </a:solidFill>
+                <a:latin typeface="Arial" pitchFamily="34" charset="0"/>
+                <a:ea typeface="Arial" pitchFamily="34" charset="-122"/>
+                <a:cs typeface="Arial" pitchFamily="34" charset="-120"/>
+              </a:rPr>
+              <a:t>Know your farm, set priorities, make decisions, verify accuracy</a:t>
+            </a:r>
+            <a:endParaRPr lang="en-US" sz="1300" dirty="0"/>
+          </a:p>
+        </p:txBody>
+      </p:sp>
+      <p:sp>
+        <p:nvSpPr>
+          <p:cNvPr id="12" name="Text 10"/>
+          <p:cNvSpPr/>
+          <p:nvPr/>
+        </p:nvSpPr>
+        <p:spPr>
+          <a:xfrm>
+            <a:off x="457200" y="2018556"/>
+            <a:ext cx="8229600" cy="311051"/>
+          </a:xfrm>
+          <a:prstGeom prst="rect">
+            <a:avLst/>
+          </a:prstGeom>
+          <a:solidFill>
+            <a:srgbClr val="FFFFFF"/>
+          </a:solidFill>
+          <a:ln/>
+        </p:spPr>
+        <p:txBody>
+          <a:bodyPr wrap="square" rtlCol="0" anchor="ctr"/>
+          <a:lstStyle/>
+          <a:p>
+            <a:pPr indent="0" marL="0">
+              <a:buNone/>
+            </a:pPr>
+            <a:endParaRPr lang="en-US" dirty="0"/>
+          </a:p>
+        </p:txBody>
+      </p:sp>
+      <p:sp>
+        <p:nvSpPr>
+          <p:cNvPr id="13" name="Shape 11"/>
+          <p:cNvSpPr/>
+          <p:nvPr/>
+        </p:nvSpPr>
+        <p:spPr>
+          <a:xfrm>
+            <a:off x="457200" y="2324844"/>
+            <a:ext cx="8229600" cy="0"/>
+          </a:xfrm>
+          <a:prstGeom prst="line">
+            <a:avLst/>
+          </a:prstGeom>
+          <a:noFill/>
+          <a:ln w="9525">
+            <a:solidFill>
+              <a:srgbClr val="CCCCCC"/>
+            </a:solidFill>
+            <a:prstDash val="solid"/>
+          </a:ln>
+        </p:spPr>
+      </p:sp>
+      <p:sp>
+        <p:nvSpPr>
+          <p:cNvPr id="14" name="Text 12"/>
+          <p:cNvSpPr/>
+          <p:nvPr/>
+        </p:nvSpPr>
+        <p:spPr>
+          <a:xfrm>
+            <a:off x="457200" y="2018556"/>
+            <a:ext cx="2771954" cy="301526"/>
+          </a:xfrm>
+          <a:prstGeom prst="rect">
+            <a:avLst/>
+          </a:prstGeom>
+          <a:noFill/>
+          <a:ln/>
+        </p:spPr>
+        <p:txBody>
+          <a:bodyPr wrap="square" lIns="88900" tIns="50800" rIns="88900" bIns="50800" rtlCol="0" anchor="t"/>
+          <a:lstStyle/>
+          <a:p>
+            <a:pPr algn="l" indent="0" marL="0">
+              <a:buNone/>
+            </a:pPr>
+            <a:r>
+              <a:rPr lang="en-US" sz="1300" b="1" dirty="0">
+                <a:solidFill>
+                  <a:srgbClr val="2C2C2C"/>
+                </a:solidFill>
+                <a:latin typeface="Arial" pitchFamily="34" charset="0"/>
+                <a:ea typeface="Arial" pitchFamily="34" charset="-122"/>
+                <a:cs typeface="Arial" pitchFamily="34" charset="-120"/>
+              </a:rPr>
+              <a:t>Copilot (the helper)</a:t>
+            </a:r>
+            <a:endParaRPr lang="en-US" sz="1300" dirty="0"/>
+          </a:p>
+        </p:txBody>
+      </p:sp>
+      <p:sp>
+        <p:nvSpPr>
+          <p:cNvPr id="15" name="Text 13"/>
+          <p:cNvSpPr/>
+          <p:nvPr/>
+        </p:nvSpPr>
+        <p:spPr>
+          <a:xfrm>
+            <a:off x="3174802" y="2018556"/>
+            <a:ext cx="5622238" cy="301526"/>
+          </a:xfrm>
+          <a:prstGeom prst="rect">
+            <a:avLst/>
+          </a:prstGeom>
+          <a:noFill/>
+          <a:ln/>
+        </p:spPr>
+        <p:txBody>
+          <a:bodyPr wrap="square" lIns="88900" tIns="50800" rIns="88900" bIns="50800" rtlCol="0" anchor="t"/>
+          <a:lstStyle/>
+          <a:p>
+            <a:pPr algn="l" indent="0" marL="0">
+              <a:buNone/>
+            </a:pPr>
+            <a:r>
+              <a:rPr lang="en-US" sz="1300" dirty="0">
+                <a:solidFill>
+                  <a:srgbClr val="2C2C2C"/>
+                </a:solidFill>
+                <a:latin typeface="Arial" pitchFamily="34" charset="0"/>
+                <a:ea typeface="Arial" pitchFamily="34" charset="-122"/>
+                <a:cs typeface="Arial" pitchFamily="34" charset="-120"/>
+              </a:rPr>
+              <a:t>Suggests drafts, fills in structure, saves typing time</a:t>
+            </a:r>
+            <a:endParaRPr lang="en-US" sz="1300" dirty="0"/>
+          </a:p>
+        </p:txBody>
+      </p:sp>
+      <p:sp>
+        <p:nvSpPr>
+          <p:cNvPr id="16" name="Text 14"/>
+          <p:cNvSpPr/>
+          <p:nvPr/>
+        </p:nvSpPr>
+        <p:spPr>
+          <a:xfrm>
+            <a:off x="457200" y="2380357"/>
+            <a:ext cx="8394192" cy="266700"/>
+          </a:xfrm>
+          <a:prstGeom prst="rect">
+            <a:avLst/>
+          </a:prstGeom>
+          <a:noFill/>
+          <a:ln/>
+        </p:spPr>
+        <p:txBody>
+          <a:bodyPr wrap="square" lIns="0" tIns="0" rIns="0" bIns="0" rtlCol="0" anchor="t"/>
+          <a:lstStyle/>
+          <a:p>
+            <a:pPr algn="l" indent="0" marL="0">
+              <a:spcAft>
+                <a:spcPts val="500"/>
+              </a:spcAft>
+              <a:buNone/>
+            </a:pPr>
+            <a:r>
+              <a:rPr lang="en-US" sz="1800" b="1" dirty="0">
+                <a:solidFill>
+                  <a:srgbClr val="2C2C2C"/>
+                </a:solidFill>
+                <a:latin typeface="Arial" pitchFamily="34" charset="0"/>
+                <a:ea typeface="Arial" pitchFamily="34" charset="-122"/>
+                <a:cs typeface="Arial" pitchFamily="34" charset="-120"/>
+              </a:rPr>
+              <a:t>The best results come from working together:</a:t>
+            </a:r>
+            <a:endParaRPr lang="en-US" sz="1800" dirty="0"/>
+          </a:p>
+        </p:txBody>
+      </p:sp>
+      <p:sp>
+        <p:nvSpPr>
+          <p:cNvPr id="17" name="Text 15"/>
+          <p:cNvSpPr/>
+          <p:nvPr/>
+        </p:nvSpPr>
+        <p:spPr>
+          <a:xfrm>
+            <a:off x="457200" y="2710458"/>
+            <a:ext cx="8229600" cy="679252"/>
+          </a:xfrm>
+          <a:prstGeom prst="rect">
+            <a:avLst/>
+          </a:prstGeom>
+          <a:noFill/>
+          <a:ln/>
+        </p:spPr>
+        <p:txBody>
+          <a:bodyPr wrap="square" lIns="152400" tIns="0" rIns="0" bIns="0" rtlCol="0" anchor="t"/>
+          <a:lstStyle/>
+          <a:p>
+            <a:pPr algn="l" marL="152400" indent="-152400">
+              <a:spcAft>
+                <a:spcPts val="200"/>
+              </a:spcAft>
+              <a:buSzPct val="100000"/>
+              <a:buChar char="•"/>
+            </a:pPr>
+            <a:r>
+              <a:rPr lang="en-US" sz="1400" dirty="0">
+                <a:solidFill>
+                  <a:srgbClr val="2C2C2C"/>
+                </a:solidFill>
+                <a:latin typeface="Arial" pitchFamily="34" charset="0"/>
+                <a:ea typeface="Arial" pitchFamily="34" charset="-122"/>
+                <a:cs typeface="Arial" pitchFamily="34" charset="-120"/>
+              </a:rPr>
+              <a:t>You provide the context (“I need a spring planting checklist for my 40-acre corn field”)</a:t>
+            </a:r>
+            <a:endParaRPr lang="en-US" sz="1400" dirty="0"/>
+          </a:p>
+          <a:p>
+            <a:pPr algn="l" marL="152400" indent="-152400">
+              <a:spcAft>
+                <a:spcPts val="200"/>
+              </a:spcAft>
+              <a:buSzPct val="100000"/>
+              <a:buChar char="•"/>
+            </a:pPr>
+            <a:r>
+              <a:rPr lang="en-US" sz="1400" dirty="0">
+                <a:solidFill>
+                  <a:srgbClr val="2C2C2C"/>
+                </a:solidFill>
+                <a:latin typeface="Arial" pitchFamily="34" charset="0"/>
+                <a:ea typeface="Arial" pitchFamily="34" charset="-122"/>
+                <a:cs typeface="Arial" pitchFamily="34" charset="-120"/>
+              </a:rPr>
+              <a:t>Copilot drafts a suggestion</a:t>
+            </a:r>
+            <a:endParaRPr lang="en-US" sz="1400" dirty="0"/>
+          </a:p>
+          <a:p>
+            <a:pPr algn="l" marL="152400" indent="-152400">
+              <a:spcAft>
+                <a:spcPts val="200"/>
+              </a:spcAft>
+              <a:buSzPct val="100000"/>
+              <a:buChar char="•"/>
+            </a:pPr>
+            <a:r>
+              <a:rPr lang="en-US" sz="1400" dirty="0">
+                <a:solidFill>
+                  <a:srgbClr val="2C2C2C"/>
+                </a:solidFill>
+                <a:latin typeface="Arial" pitchFamily="34" charset="0"/>
+                <a:ea typeface="Arial" pitchFamily="34" charset="-122"/>
+                <a:cs typeface="Arial" pitchFamily="34" charset="-120"/>
+              </a:rPr>
+              <a:t>You review, edit, and approve</a:t>
+            </a:r>
+            <a:endParaRPr lang="en-US" sz="1400" dirty="0"/>
+          </a:p>
+        </p:txBody>
+      </p:sp>
+      <p:sp>
+        <p:nvSpPr>
+          <p:cNvPr id="18" name="Text 16"/>
+          <p:cNvSpPr/>
+          <p:nvPr/>
+        </p:nvSpPr>
+        <p:spPr>
+          <a:xfrm>
+            <a:off x="457200" y="3453110"/>
+            <a:ext cx="8394192" cy="266700"/>
+          </a:xfrm>
+          <a:prstGeom prst="rect">
+            <a:avLst/>
+          </a:prstGeom>
+          <a:noFill/>
+          <a:ln/>
+        </p:spPr>
+        <p:txBody>
+          <a:bodyPr wrap="square" lIns="0" tIns="0" rIns="0" bIns="0" rtlCol="0" anchor="t"/>
+          <a:lstStyle/>
+          <a:p>
+            <a:pPr algn="l" indent="0" marL="0">
+              <a:spcAft>
+                <a:spcPts val="500"/>
+              </a:spcAft>
+              <a:buNone/>
+            </a:pPr>
+            <a:r>
+              <a:rPr lang="en-US" sz="1800" i="1" dirty="0">
+                <a:solidFill>
+                  <a:srgbClr val="2C2C2C"/>
+                </a:solidFill>
+                <a:latin typeface="Arial" pitchFamily="34" charset="0"/>
+                <a:ea typeface="Arial" pitchFamily="34" charset="-122"/>
+                <a:cs typeface="Arial" pitchFamily="34" charset="-120"/>
+              </a:rPr>
+              <a:t>Your knowledge + Copilot’s speed = better task descriptions in less time.</a:t>
+            </a:r>
+            <a:endParaRPr lang="en-US" sz="1800" dirty="0"/>
           </a:p>
         </p:txBody>
       </p:sp>
@@ -10907,7 +13060,7 @@
     <p:bg>
       <p:bgPr>
         <a:solidFill>
-          <a:srgbClr val="FFFFFF"/>
+          <a:srgbClr val="F4F1DE"/>
         </a:solidFill>
       </p:bgPr>
     </p:bg>
@@ -10934,7 +13087,7 @@
         <p:spPr>
           <a:xfrm>
             <a:off x="0" y="0"/>
-            <a:ext cx="9144000" cy="863501"/>
+            <a:ext cx="9144000" cy="914102"/>
           </a:xfrm>
           <a:prstGeom prst="rect">
             <a:avLst/>
@@ -10963,7 +13116,7 @@
         </p:nvSpPr>
         <p:spPr>
           <a:xfrm>
-            <a:off x="355550" y="246013"/>
+            <a:off x="457200" y="271314"/>
             <a:ext cx="3585475" cy="371475"/>
           </a:xfrm>
           <a:prstGeom prst="rect">
@@ -11002,8 +13155,8 @@
         </p:nvSpPr>
         <p:spPr>
           <a:xfrm>
-            <a:off x="355550" y="1130052"/>
-            <a:ext cx="8601557" cy="325636"/>
+            <a:off x="457200" y="1015603"/>
+            <a:ext cx="8394192" cy="266700"/>
           </a:xfrm>
           <a:prstGeom prst="rect">
             <a:avLst/>
@@ -11016,19 +13169,13 @@
           <a:lstStyle/>
           <a:p>
             <a:pPr algn="l" indent="0" marL="0">
-              <a:lnSpc>
-                <a:spcPts val="2565"/>
-              </a:lnSpc>
-              <a:spcBef>
-                <a:spcPts val="500"/>
-              </a:spcBef>
-              <a:spcAft>
-                <a:spcPts val="500"/>
-              </a:spcAft>
-              <a:buNone/>
-            </a:pPr>
-            <a:r>
-              <a:rPr lang="en-US" sz="1900" b="1" dirty="0">
+              <a:spcAft>
+                <a:spcPts val="400"/>
+              </a:spcAft>
+              <a:buNone/>
+            </a:pPr>
+            <a:r>
+              <a:rPr lang="en-US" sz="1800" b="1" dirty="0">
                 <a:solidFill>
                   <a:srgbClr val="2C2C2C"/>
                 </a:solidFill>
@@ -11038,7 +13185,7 @@
               </a:rPr>
               <a:t>A prompt is what you type to tell Copilot what you need.</a:t>
             </a:r>
-            <a:endParaRPr lang="en-US" sz="1900" dirty="0"/>
+            <a:endParaRPr lang="en-US" sz="1800" dirty="0"/>
           </a:p>
         </p:txBody>
       </p:sp>
@@ -11050,8 +13197,8 @@
         </p:nvSpPr>
         <p:spPr>
           <a:xfrm>
-            <a:off x="355550" y="1582489"/>
-            <a:ext cx="8601557" cy="325636"/>
+            <a:off x="457200" y="1333054"/>
+            <a:ext cx="8394192" cy="266700"/>
           </a:xfrm>
           <a:prstGeom prst="rect">
             <a:avLst/>
@@ -11064,19 +13211,13 @@
           <a:lstStyle/>
           <a:p>
             <a:pPr algn="l" indent="0" marL="0">
-              <a:lnSpc>
-                <a:spcPts val="2565"/>
-              </a:lnSpc>
-              <a:spcBef>
-                <a:spcPts val="500"/>
-              </a:spcBef>
-              <a:spcAft>
-                <a:spcPts val="500"/>
-              </a:spcAft>
-              <a:buNone/>
-            </a:pPr>
-            <a:r>
-              <a:rPr lang="en-US" sz="1900" dirty="0">
+              <a:spcAft>
+                <a:spcPts val="400"/>
+              </a:spcAft>
+              <a:buNone/>
+            </a:pPr>
+            <a:r>
+              <a:rPr lang="en-US" sz="1800" dirty="0">
                 <a:solidFill>
                   <a:srgbClr val="2C2C2C"/>
                 </a:solidFill>
@@ -11087,19 +13228,13 @@
               <a:t>The secret: </a:t>
             </a:r>
             <a:pPr algn="l" indent="0" marL="0">
-              <a:lnSpc>
-                <a:spcPts val="2565"/>
-              </a:lnSpc>
-              <a:spcBef>
-                <a:spcPts val="500"/>
-              </a:spcBef>
-              <a:spcAft>
-                <a:spcPts val="500"/>
-              </a:spcAft>
-              <a:buNone/>
-            </a:pPr>
-            <a:r>
-              <a:rPr lang="en-US" sz="1900" b="1" dirty="0">
+              <a:spcAft>
+                <a:spcPts val="400"/>
+              </a:spcAft>
+              <a:buNone/>
+            </a:pPr>
+            <a:r>
+              <a:rPr lang="en-US" sz="1800" b="1" dirty="0">
                 <a:solidFill>
                   <a:srgbClr val="2C2C2C"/>
                 </a:solidFill>
@@ -11109,7 +13244,510 @@
               </a:rPr>
               <a:t>Be specific and provide context.</a:t>
             </a:r>
-            <a:endParaRPr lang="en-US" sz="1900" dirty="0"/>
+            <a:endParaRPr lang="en-US" sz="1800" dirty="0"/>
+          </a:p>
+        </p:txBody>
+      </p:sp>
+      <p:sp>
+        <p:nvSpPr>
+          <p:cNvPr id="6" name="Text 4"/>
+          <p:cNvSpPr/>
+          <p:nvPr/>
+        </p:nvSpPr>
+        <p:spPr>
+          <a:xfrm>
+            <a:off x="457200" y="1650504"/>
+            <a:ext cx="8229600" cy="336352"/>
+          </a:xfrm>
+          <a:prstGeom prst="roundRect">
+            <a:avLst>
+              <a:gd name="adj" fmla="val 15103"/>
+            </a:avLst>
+          </a:prstGeom>
+          <a:solidFill>
+            <a:srgbClr val="1E5128"/>
+          </a:solidFill>
+          <a:ln/>
+        </p:spPr>
+        <p:txBody>
+          <a:bodyPr wrap="square" rtlCol="0" anchor="ctr"/>
+          <a:lstStyle/>
+          <a:p>
+            <a:pPr indent="0" marL="0">
+              <a:buNone/>
+            </a:pPr>
+            <a:endParaRPr lang="en-US" dirty="0"/>
+          </a:p>
+        </p:txBody>
+      </p:sp>
+      <p:sp>
+        <p:nvSpPr>
+          <p:cNvPr id="7" name="Text 5"/>
+          <p:cNvSpPr/>
+          <p:nvPr/>
+        </p:nvSpPr>
+        <p:spPr>
+          <a:xfrm>
+            <a:off x="457200" y="1650504"/>
+            <a:ext cx="2253844" cy="336352"/>
+          </a:xfrm>
+          <a:prstGeom prst="rect">
+            <a:avLst/>
+          </a:prstGeom>
+          <a:noFill/>
+          <a:ln/>
+        </p:spPr>
+        <p:txBody>
+          <a:bodyPr wrap="square" lIns="88900" tIns="63500" rIns="88900" bIns="63500" rtlCol="0" anchor="t"/>
+          <a:lstStyle/>
+          <a:p>
+            <a:pPr algn="l" indent="0" marL="0">
+              <a:buNone/>
+            </a:pPr>
+            <a:r>
+              <a:rPr lang="en-US" sz="1400" b="1" dirty="0">
+                <a:solidFill>
+                  <a:srgbClr val="FFFFFF"/>
+                </a:solidFill>
+                <a:latin typeface="Arial" pitchFamily="34" charset="0"/>
+                <a:ea typeface="Arial" pitchFamily="34" charset="-122"/>
+                <a:cs typeface="Arial" pitchFamily="34" charset="-120"/>
+              </a:rPr>
+              <a:t>Weak Prompt</a:t>
+            </a:r>
+            <a:endParaRPr lang="en-US" sz="1400" dirty="0"/>
+          </a:p>
+        </p:txBody>
+      </p:sp>
+      <p:sp>
+        <p:nvSpPr>
+          <p:cNvPr id="8" name="Text 6"/>
+          <p:cNvSpPr/>
+          <p:nvPr/>
+        </p:nvSpPr>
+        <p:spPr>
+          <a:xfrm>
+            <a:off x="2666851" y="1650504"/>
+            <a:ext cx="6140348" cy="336352"/>
+          </a:xfrm>
+          <a:prstGeom prst="rect">
+            <a:avLst/>
+          </a:prstGeom>
+          <a:noFill/>
+          <a:ln/>
+        </p:spPr>
+        <p:txBody>
+          <a:bodyPr wrap="square" lIns="88900" tIns="63500" rIns="88900" bIns="63500" rtlCol="0" anchor="t"/>
+          <a:lstStyle/>
+          <a:p>
+            <a:pPr algn="l" indent="0" marL="0">
+              <a:buNone/>
+            </a:pPr>
+            <a:r>
+              <a:rPr lang="en-US" sz="1400" b="1" dirty="0">
+                <a:solidFill>
+                  <a:srgbClr val="FFFFFF"/>
+                </a:solidFill>
+                <a:latin typeface="Arial" pitchFamily="34" charset="0"/>
+                <a:ea typeface="Arial" pitchFamily="34" charset="-122"/>
+                <a:cs typeface="Arial" pitchFamily="34" charset="-120"/>
+              </a:rPr>
+              <a:t>Strong Prompt</a:t>
+            </a:r>
+            <a:endParaRPr lang="en-US" sz="1400" dirty="0"/>
+          </a:p>
+        </p:txBody>
+      </p:sp>
+      <p:sp>
+        <p:nvSpPr>
+          <p:cNvPr id="9" name="Text 7"/>
+          <p:cNvSpPr/>
+          <p:nvPr/>
+        </p:nvSpPr>
+        <p:spPr>
+          <a:xfrm>
+            <a:off x="457200" y="1986855"/>
+            <a:ext cx="8229600" cy="511076"/>
+          </a:xfrm>
+          <a:prstGeom prst="rect">
+            <a:avLst/>
+          </a:prstGeom>
+          <a:solidFill>
+            <a:srgbClr val="F4F1DE"/>
+          </a:solidFill>
+          <a:ln/>
+        </p:spPr>
+        <p:txBody>
+          <a:bodyPr wrap="square" rtlCol="0" anchor="ctr"/>
+          <a:lstStyle/>
+          <a:p>
+            <a:pPr indent="0" marL="0">
+              <a:buNone/>
+            </a:pPr>
+            <a:endParaRPr lang="en-US" dirty="0"/>
+          </a:p>
+        </p:txBody>
+      </p:sp>
+      <p:sp>
+        <p:nvSpPr>
+          <p:cNvPr id="10" name="Shape 8"/>
+          <p:cNvSpPr/>
+          <p:nvPr/>
+        </p:nvSpPr>
+        <p:spPr>
+          <a:xfrm>
+            <a:off x="457200" y="2493169"/>
+            <a:ext cx="8229600" cy="0"/>
+          </a:xfrm>
+          <a:prstGeom prst="line">
+            <a:avLst/>
+          </a:prstGeom>
+          <a:noFill/>
+          <a:ln w="9525">
+            <a:solidFill>
+              <a:srgbClr val="CCCCCC"/>
+            </a:solidFill>
+            <a:prstDash val="solid"/>
+          </a:ln>
+        </p:spPr>
+      </p:sp>
+      <p:sp>
+        <p:nvSpPr>
+          <p:cNvPr id="11" name="Text 9"/>
+          <p:cNvSpPr/>
+          <p:nvPr/>
+        </p:nvSpPr>
+        <p:spPr>
+          <a:xfrm>
+            <a:off x="457200" y="1986855"/>
+            <a:ext cx="2253844" cy="501551"/>
+          </a:xfrm>
+          <a:prstGeom prst="rect">
+            <a:avLst/>
+          </a:prstGeom>
+          <a:noFill/>
+          <a:ln/>
+        </p:spPr>
+        <p:txBody>
+          <a:bodyPr wrap="square" lIns="88900" tIns="50800" rIns="88900" bIns="50800" rtlCol="0" anchor="t"/>
+          <a:lstStyle/>
+          <a:p>
+            <a:pPr algn="l" indent="0" marL="0">
+              <a:buNone/>
+            </a:pPr>
+            <a:r>
+              <a:rPr lang="en-US" sz="1300" dirty="0">
+                <a:solidFill>
+                  <a:srgbClr val="2C2C2C"/>
+                </a:solidFill>
+                <a:latin typeface="Arial" pitchFamily="34" charset="0"/>
+                <a:ea typeface="Arial" pitchFamily="34" charset="-122"/>
+                <a:cs typeface="Arial" pitchFamily="34" charset="-120"/>
+              </a:rPr>
+              <a:t>“planting”</a:t>
+            </a:r>
+            <a:endParaRPr lang="en-US" sz="1300" dirty="0"/>
+          </a:p>
+        </p:txBody>
+      </p:sp>
+      <p:sp>
+        <p:nvSpPr>
+          <p:cNvPr id="12" name="Text 10"/>
+          <p:cNvSpPr/>
+          <p:nvPr/>
+        </p:nvSpPr>
+        <p:spPr>
+          <a:xfrm>
+            <a:off x="2666851" y="1986855"/>
+            <a:ext cx="6140348" cy="501551"/>
+          </a:xfrm>
+          <a:prstGeom prst="rect">
+            <a:avLst/>
+          </a:prstGeom>
+          <a:noFill/>
+          <a:ln/>
+        </p:spPr>
+        <p:txBody>
+          <a:bodyPr wrap="square" lIns="88900" tIns="50800" rIns="88900" bIns="50800" rtlCol="0" anchor="t"/>
+          <a:lstStyle/>
+          <a:p>
+            <a:pPr algn="l" indent="0" marL="0">
+              <a:buNone/>
+            </a:pPr>
+            <a:r>
+              <a:rPr lang="en-US" sz="1300" dirty="0">
+                <a:solidFill>
+                  <a:srgbClr val="2C2C2C"/>
+                </a:solidFill>
+                <a:latin typeface="Arial" pitchFamily="34" charset="0"/>
+                <a:ea typeface="Arial" pitchFamily="34" charset="-122"/>
+                <a:cs typeface="Arial" pitchFamily="34" charset="-120"/>
+              </a:rPr>
+              <a:t>“Write an Issue for spring planting prep on a 40-acre corn farm, including soil testing and equipment calibration”</a:t>
+            </a:r>
+            <a:endParaRPr lang="en-US" sz="1300" dirty="0"/>
+          </a:p>
+        </p:txBody>
+      </p:sp>
+      <p:sp>
+        <p:nvSpPr>
+          <p:cNvPr id="13" name="Text 11"/>
+          <p:cNvSpPr/>
+          <p:nvPr/>
+        </p:nvSpPr>
+        <p:spPr>
+          <a:xfrm>
+            <a:off x="457200" y="2497931"/>
+            <a:ext cx="8229600" cy="511076"/>
+          </a:xfrm>
+          <a:prstGeom prst="rect">
+            <a:avLst/>
+          </a:prstGeom>
+          <a:solidFill>
+            <a:srgbClr val="FFFFFF"/>
+          </a:solidFill>
+          <a:ln/>
+        </p:spPr>
+        <p:txBody>
+          <a:bodyPr wrap="square" rtlCol="0" anchor="ctr"/>
+          <a:lstStyle/>
+          <a:p>
+            <a:pPr indent="0" marL="0">
+              <a:buNone/>
+            </a:pPr>
+            <a:endParaRPr lang="en-US" dirty="0"/>
+          </a:p>
+        </p:txBody>
+      </p:sp>
+      <p:sp>
+        <p:nvSpPr>
+          <p:cNvPr id="14" name="Shape 12"/>
+          <p:cNvSpPr/>
+          <p:nvPr/>
+        </p:nvSpPr>
+        <p:spPr>
+          <a:xfrm>
+            <a:off x="457200" y="3004245"/>
+            <a:ext cx="8229600" cy="0"/>
+          </a:xfrm>
+          <a:prstGeom prst="line">
+            <a:avLst/>
+          </a:prstGeom>
+          <a:noFill/>
+          <a:ln w="9525">
+            <a:solidFill>
+              <a:srgbClr val="CCCCCC"/>
+            </a:solidFill>
+            <a:prstDash val="solid"/>
+          </a:ln>
+        </p:spPr>
+      </p:sp>
+      <p:sp>
+        <p:nvSpPr>
+          <p:cNvPr id="15" name="Text 13"/>
+          <p:cNvSpPr/>
+          <p:nvPr/>
+        </p:nvSpPr>
+        <p:spPr>
+          <a:xfrm>
+            <a:off x="457200" y="2497931"/>
+            <a:ext cx="2253844" cy="501551"/>
+          </a:xfrm>
+          <a:prstGeom prst="rect">
+            <a:avLst/>
+          </a:prstGeom>
+          <a:noFill/>
+          <a:ln/>
+        </p:spPr>
+        <p:txBody>
+          <a:bodyPr wrap="square" lIns="88900" tIns="50800" rIns="88900" bIns="50800" rtlCol="0" anchor="t"/>
+          <a:lstStyle/>
+          <a:p>
+            <a:pPr algn="l" indent="0" marL="0">
+              <a:buNone/>
+            </a:pPr>
+            <a:r>
+              <a:rPr lang="en-US" sz="1300" dirty="0">
+                <a:solidFill>
+                  <a:srgbClr val="2C2C2C"/>
+                </a:solidFill>
+                <a:latin typeface="Arial" pitchFamily="34" charset="0"/>
+                <a:ea typeface="Arial" pitchFamily="34" charset="-122"/>
+                <a:cs typeface="Arial" pitchFamily="34" charset="-120"/>
+              </a:rPr>
+              <a:t>“fix tractor”</a:t>
+            </a:r>
+            <a:endParaRPr lang="en-US" sz="1300" dirty="0"/>
+          </a:p>
+        </p:txBody>
+      </p:sp>
+      <p:sp>
+        <p:nvSpPr>
+          <p:cNvPr id="16" name="Text 14"/>
+          <p:cNvSpPr/>
+          <p:nvPr/>
+        </p:nvSpPr>
+        <p:spPr>
+          <a:xfrm>
+            <a:off x="2666851" y="2497931"/>
+            <a:ext cx="6140348" cy="501551"/>
+          </a:xfrm>
+          <a:prstGeom prst="rect">
+            <a:avLst/>
+          </a:prstGeom>
+          <a:noFill/>
+          <a:ln/>
+        </p:spPr>
+        <p:txBody>
+          <a:bodyPr wrap="square" lIns="88900" tIns="50800" rIns="88900" bIns="50800" rtlCol="0" anchor="t"/>
+          <a:lstStyle/>
+          <a:p>
+            <a:pPr algn="l" indent="0" marL="0">
+              <a:buNone/>
+            </a:pPr>
+            <a:r>
+              <a:rPr lang="en-US" sz="1300" dirty="0">
+                <a:solidFill>
+                  <a:srgbClr val="2C2C2C"/>
+                </a:solidFill>
+                <a:latin typeface="Arial" pitchFamily="34" charset="0"/>
+                <a:ea typeface="Arial" pitchFamily="34" charset="-122"/>
+                <a:cs typeface="Arial" pitchFamily="34" charset="-120"/>
+              </a:rPr>
+              <a:t>“Create a checklist for annual tractor maintenance: oil change, filters, tires, hydraulics for a John Deere 6M”</a:t>
+            </a:r>
+            <a:endParaRPr lang="en-US" sz="1300" dirty="0"/>
+          </a:p>
+        </p:txBody>
+      </p:sp>
+      <p:sp>
+        <p:nvSpPr>
+          <p:cNvPr id="17" name="Text 15"/>
+          <p:cNvSpPr/>
+          <p:nvPr/>
+        </p:nvSpPr>
+        <p:spPr>
+          <a:xfrm>
+            <a:off x="457200" y="3009007"/>
+            <a:ext cx="8229600" cy="511076"/>
+          </a:xfrm>
+          <a:prstGeom prst="rect">
+            <a:avLst/>
+          </a:prstGeom>
+          <a:solidFill>
+            <a:srgbClr val="F4F1DE"/>
+          </a:solidFill>
+          <a:ln/>
+        </p:spPr>
+        <p:txBody>
+          <a:bodyPr wrap="square" rtlCol="0" anchor="ctr"/>
+          <a:lstStyle/>
+          <a:p>
+            <a:pPr indent="0" marL="0">
+              <a:buNone/>
+            </a:pPr>
+            <a:endParaRPr lang="en-US" dirty="0"/>
+          </a:p>
+        </p:txBody>
+      </p:sp>
+      <p:sp>
+        <p:nvSpPr>
+          <p:cNvPr id="18" name="Shape 16"/>
+          <p:cNvSpPr/>
+          <p:nvPr/>
+        </p:nvSpPr>
+        <p:spPr>
+          <a:xfrm>
+            <a:off x="457200" y="3515320"/>
+            <a:ext cx="8229600" cy="0"/>
+          </a:xfrm>
+          <a:prstGeom prst="line">
+            <a:avLst/>
+          </a:prstGeom>
+          <a:noFill/>
+          <a:ln w="9525">
+            <a:solidFill>
+              <a:srgbClr val="CCCCCC"/>
+            </a:solidFill>
+            <a:prstDash val="solid"/>
+          </a:ln>
+        </p:spPr>
+      </p:sp>
+      <p:sp>
+        <p:nvSpPr>
+          <p:cNvPr id="19" name="Text 17"/>
+          <p:cNvSpPr/>
+          <p:nvPr/>
+        </p:nvSpPr>
+        <p:spPr>
+          <a:xfrm>
+            <a:off x="457200" y="3009007"/>
+            <a:ext cx="2253844" cy="501551"/>
+          </a:xfrm>
+          <a:prstGeom prst="rect">
+            <a:avLst/>
+          </a:prstGeom>
+          <a:noFill/>
+          <a:ln/>
+        </p:spPr>
+        <p:txBody>
+          <a:bodyPr wrap="square" lIns="88900" tIns="50800" rIns="88900" bIns="50800" rtlCol="0" anchor="t"/>
+          <a:lstStyle/>
+          <a:p>
+            <a:pPr algn="l" indent="0" marL="0">
+              <a:buNone/>
+            </a:pPr>
+            <a:r>
+              <a:rPr lang="en-US" sz="1300" dirty="0">
+                <a:solidFill>
+                  <a:srgbClr val="2C2C2C"/>
+                </a:solidFill>
+                <a:latin typeface="Arial" pitchFamily="34" charset="0"/>
+                <a:ea typeface="Arial" pitchFamily="34" charset="-122"/>
+                <a:cs typeface="Arial" pitchFamily="34" charset="-120"/>
+              </a:rPr>
+              <a:t>“vaccinate cows”</a:t>
+            </a:r>
+            <a:endParaRPr lang="en-US" sz="1300" dirty="0"/>
+          </a:p>
+        </p:txBody>
+      </p:sp>
+      <p:sp>
+        <p:nvSpPr>
+          <p:cNvPr id="20" name="Text 18"/>
+          <p:cNvSpPr/>
+          <p:nvPr/>
+        </p:nvSpPr>
+        <p:spPr>
+          <a:xfrm>
+            <a:off x="2666851" y="3009007"/>
+            <a:ext cx="6140348" cy="501551"/>
+          </a:xfrm>
+          <a:prstGeom prst="rect">
+            <a:avLst/>
+          </a:prstGeom>
+          <a:noFill/>
+          <a:ln/>
+        </p:spPr>
+        <p:txBody>
+          <a:bodyPr wrap="square" lIns="88900" tIns="50800" rIns="88900" bIns="50800" rtlCol="0" anchor="t"/>
+          <a:lstStyle/>
+          <a:p>
+            <a:pPr algn="l" indent="0" marL="0">
+              <a:buNone/>
+            </a:pPr>
+            <a:r>
+              <a:rPr lang="en-US" sz="1300" dirty="0">
+                <a:solidFill>
+                  <a:srgbClr val="2C2C2C"/>
+                </a:solidFill>
+                <a:latin typeface="Arial" pitchFamily="34" charset="0"/>
+                <a:ea typeface="Arial" pitchFamily="34" charset="-122"/>
+                <a:cs typeface="Arial" pitchFamily="34" charset="-120"/>
+              </a:rPr>
+              <a:t>“Draft a vaccination schedule for 50-head beef cattle: spring boosters, deworming, state health certificates”</a:t>
+            </a:r>
+            <a:endParaRPr lang="en-US" sz="1300" dirty="0"/>
           </a:p>
         </p:txBody>
       </p:sp>
